--- a/_posts/ithome/2021/23.資料分布與離群值處理/23.離群值與偏態處理.pptx
+++ b/_posts/ithome/2021/23.資料分布與離群值處理/23.離群值與偏態處理.pptx
@@ -6,12 +6,15 @@
   </p:sldMasterIdLst>
   <p:sldIdLst>
     <p:sldId id="261" r:id="rId2"/>
-    <p:sldId id="260" r:id="rId3"/>
-    <p:sldId id="258" r:id="rId4"/>
-    <p:sldId id="257" r:id="rId5"/>
-    <p:sldId id="259" r:id="rId6"/>
-    <p:sldId id="256" r:id="rId7"/>
-    <p:sldId id="262" r:id="rId8"/>
+    <p:sldId id="263" r:id="rId3"/>
+    <p:sldId id="264" r:id="rId4"/>
+    <p:sldId id="260" r:id="rId5"/>
+    <p:sldId id="265" r:id="rId6"/>
+    <p:sldId id="258" r:id="rId7"/>
+    <p:sldId id="257" r:id="rId8"/>
+    <p:sldId id="259" r:id="rId9"/>
+    <p:sldId id="256" r:id="rId10"/>
+    <p:sldId id="262" r:id="rId11"/>
   </p:sldIdLst>
   <p:sldSz cx="12192000" cy="6858000"/>
   <p:notesSz cx="6858000" cy="9144000"/>
@@ -3353,53 +3356,6 @@
           <a:chExt cx="0" cy="0"/>
         </a:xfrm>
       </p:grpSpPr>
-      <p:pic>
-        <p:nvPicPr>
-          <p:cNvPr id="4098" name="Picture 2">
-            <a:extLst>
-              <a:ext uri="{FF2B5EF4-FFF2-40B4-BE49-F238E27FC236}">
-                <a16:creationId xmlns:a16="http://schemas.microsoft.com/office/drawing/2014/main" id="{44E8DFA1-344A-6B4F-90C3-F88096BFF010}"/>
-              </a:ext>
-            </a:extLst>
-          </p:cNvPr>
-          <p:cNvPicPr>
-            <a:picLocks noChangeAspect="1" noChangeArrowheads="1"/>
-          </p:cNvPicPr>
-          <p:nvPr/>
-        </p:nvPicPr>
-        <p:blipFill>
-          <a:blip r:embed="rId2">
-            <a:extLst>
-              <a:ext uri="{28A0092B-C50C-407E-A947-70E740481C1C}">
-                <a14:useLocalDpi xmlns:a14="http://schemas.microsoft.com/office/drawing/2010/main" val="0"/>
-              </a:ext>
-            </a:extLst>
-          </a:blip>
-          <a:srcRect/>
-          <a:stretch>
-            <a:fillRect/>
-          </a:stretch>
-        </p:blipFill>
-        <p:spPr bwMode="auto">
-          <a:xfrm>
-            <a:off x="4713445" y="2081077"/>
-            <a:ext cx="2757920" cy="2828636"/>
-          </a:xfrm>
-          <a:prstGeom prst="rect">
-            <a:avLst/>
-          </a:prstGeom>
-          <a:noFill/>
-          <a:extLst>
-            <a:ext uri="{909E8E84-426E-40DD-AFC4-6F175D3DCCD1}">
-              <a14:hiddenFill xmlns:a14="http://schemas.microsoft.com/office/drawing/2010/main">
-                <a:solidFill>
-                  <a:srgbClr val="FFFFFF"/>
-                </a:solidFill>
-              </a14:hiddenFill>
-            </a:ext>
-          </a:extLst>
-        </p:spPr>
-      </p:pic>
       <p:grpSp>
         <p:nvGrpSpPr>
           <p:cNvPr id="3" name="Group 2">
@@ -3468,7 +3424,7 @@
               <a:effectLst/>
               <a:extLst>
                 <a:ext uri="{C572A759-6A51-4108-AA02-DFA0A04FC94B}">
-                  <ma14:wrappingTextBoxFlag xmlns:ma14="http://schemas.microsoft.com/office/mac/drawingml/2011/main" xmlns:a14="http://schemas.microsoft.com/office/drawing/2010/main" xmlns:m="http://schemas.openxmlformats.org/officeDocument/2006/math" xmlns="" val="1"/>
+                  <ma14:wrappingTextBoxFlag xmlns="" xmlns:m="http://schemas.openxmlformats.org/officeDocument/2006/math" xmlns:a14="http://schemas.microsoft.com/office/drawing/2010/main" xmlns:ma14="http://schemas.microsoft.com/office/mac/drawingml/2011/main" val="1"/>
                 </a:ext>
               </a:extLst>
             </p:spPr>
@@ -3661,7 +3617,7 @@
               <a:effectLst/>
               <a:extLst>
                 <a:ext uri="{C572A759-6A51-4108-AA02-DFA0A04FC94B}">
-                  <ma14:wrappingTextBoxFlag xmlns:ma14="http://schemas.microsoft.com/office/mac/drawingml/2011/main" xmlns:a14="http://schemas.microsoft.com/office/drawing/2010/main" xmlns:m="http://schemas.openxmlformats.org/officeDocument/2006/math" xmlns="" val="1"/>
+                  <ma14:wrappingTextBoxFlag xmlns="" xmlns:m="http://schemas.openxmlformats.org/officeDocument/2006/math" xmlns:a14="http://schemas.microsoft.com/office/drawing/2010/main" xmlns:ma14="http://schemas.microsoft.com/office/mac/drawingml/2011/main" val="1"/>
                 </a:ext>
               </a:extLst>
             </p:spPr>
@@ -3767,7 +3723,7 @@
               <p:nvPr/>
             </p:nvPicPr>
             <p:blipFill>
-              <a:blip r:embed="rId3">
+              <a:blip r:embed="rId2">
                 <a:duotone>
                   <a:prstClr val="black"/>
                   <a:schemeClr val="tx1">
@@ -3815,7 +3771,7 @@
               <p:nvPr/>
             </p:nvPicPr>
             <p:blipFill>
-              <a:blip r:embed="rId4">
+              <a:blip r:embed="rId3">
                 <a:alphaModFix amt="20000"/>
                 <a:extLst>
                   <a:ext uri="{28A0092B-C50C-407E-A947-70E740481C1C}">
@@ -3876,7 +3832,7 @@
               <a:effectLst/>
               <a:extLst>
                 <a:ext uri="{C572A759-6A51-4108-AA02-DFA0A04FC94B}">
-                  <ma14:wrappingTextBoxFlag xmlns:ma14="http://schemas.microsoft.com/office/mac/drawingml/2011/main" xmlns:a14="http://schemas.microsoft.com/office/drawing/2010/main" xmlns:m="http://schemas.openxmlformats.org/officeDocument/2006/math" xmlns="" val="1"/>
+                  <ma14:wrappingTextBoxFlag xmlns="" xmlns:m="http://schemas.openxmlformats.org/officeDocument/2006/math" xmlns:a14="http://schemas.microsoft.com/office/drawing/2010/main" xmlns:ma14="http://schemas.microsoft.com/office/mac/drawingml/2011/main" val="1"/>
                 </a:ext>
               </a:extLst>
             </p:spPr>
@@ -3945,10 +3901,117 @@
           </p:sp>
         </p:grpSp>
       </p:grpSp>
+      <p:pic>
+        <p:nvPicPr>
+          <p:cNvPr id="16" name="Picture 15">
+            <a:extLst>
+              <a:ext uri="{FF2B5EF4-FFF2-40B4-BE49-F238E27FC236}">
+                <a16:creationId xmlns:a16="http://schemas.microsoft.com/office/drawing/2014/main" id="{546773B6-82A0-4A46-B222-591DAAF01A1D}"/>
+              </a:ext>
+            </a:extLst>
+          </p:cNvPr>
+          <p:cNvPicPr>
+            <a:picLocks noChangeAspect="1"/>
+          </p:cNvPicPr>
+          <p:nvPr/>
+        </p:nvPicPr>
+        <p:blipFill>
+          <a:blip r:embed="rId4"/>
+          <a:stretch>
+            <a:fillRect/>
+          </a:stretch>
+        </p:blipFill>
+        <p:spPr>
+          <a:xfrm>
+            <a:off x="2946903" y="1422631"/>
+            <a:ext cx="6298193" cy="3381875"/>
+          </a:xfrm>
+          <a:prstGeom prst="rect">
+            <a:avLst/>
+          </a:prstGeom>
+        </p:spPr>
+      </p:pic>
     </p:spTree>
     <p:extLst>
       <p:ext uri="{BB962C8B-B14F-4D97-AF65-F5344CB8AC3E}">
         <p14:creationId xmlns:p14="http://schemas.microsoft.com/office/powerpoint/2010/main" val="1191137572"/>
+      </p:ext>
+    </p:extLst>
+  </p:cSld>
+  <p:clrMapOvr>
+    <a:masterClrMapping/>
+  </p:clrMapOvr>
+</p:sld>
+</file>
+
+<file path=ppt/slides/slide10.xml><?xml version="1.0" encoding="utf-8"?>
+<p:sld xmlns:a="http://schemas.openxmlformats.org/drawingml/2006/main" xmlns:r="http://schemas.openxmlformats.org/officeDocument/2006/relationships" xmlns:p="http://schemas.openxmlformats.org/presentationml/2006/main">
+  <p:cSld>
+    <p:spTree>
+      <p:nvGrpSpPr>
+        <p:cNvPr id="1" name=""/>
+        <p:cNvGrpSpPr/>
+        <p:nvPr/>
+      </p:nvGrpSpPr>
+      <p:grpSpPr>
+        <a:xfrm>
+          <a:off x="0" y="0"/>
+          <a:ext cx="0" cy="0"/>
+          <a:chOff x="0" y="0"/>
+          <a:chExt cx="0" cy="0"/>
+        </a:xfrm>
+      </p:grpSpPr>
+      <p:pic>
+        <p:nvPicPr>
+          <p:cNvPr id="2" name="Picture 2">
+            <a:extLst>
+              <a:ext uri="{FF2B5EF4-FFF2-40B4-BE49-F238E27FC236}">
+                <a16:creationId xmlns:a16="http://schemas.microsoft.com/office/drawing/2014/main" id="{DCD0CD87-6B06-214E-AD2F-A64AD055247C}"/>
+              </a:ext>
+            </a:extLst>
+          </p:cNvPr>
+          <p:cNvPicPr>
+            <a:picLocks noChangeAspect="1" noChangeArrowheads="1"/>
+          </p:cNvPicPr>
+          <p:nvPr/>
+        </p:nvPicPr>
+        <p:blipFill>
+          <a:blip r:embed="rId2">
+            <a:extLst>
+              <a:ext uri="{28A0092B-C50C-407E-A947-70E740481C1C}">
+                <a14:useLocalDpi xmlns:a14="http://schemas.microsoft.com/office/drawing/2010/main" val="0"/>
+              </a:ext>
+            </a:extLst>
+          </a:blip>
+          <a:srcRect/>
+          <a:stretch>
+            <a:fillRect/>
+          </a:stretch>
+        </p:blipFill>
+        <p:spPr bwMode="auto">
+          <a:xfrm>
+            <a:off x="3371850" y="1746250"/>
+            <a:ext cx="5448300" cy="3365500"/>
+          </a:xfrm>
+          <a:prstGeom prst="rect">
+            <a:avLst/>
+          </a:prstGeom>
+          <a:noFill/>
+          <a:extLst>
+            <a:ext uri="{909E8E84-426E-40DD-AFC4-6F175D3DCCD1}">
+              <a14:hiddenFill xmlns:a14="http://schemas.microsoft.com/office/drawing/2010/main">
+                <a:solidFill>
+                  <a:srgbClr val="FFFFFF"/>
+                </a:solidFill>
+              </a14:hiddenFill>
+            </a:ext>
+          </a:extLst>
+        </p:spPr>
+      </p:pic>
+    </p:spTree>
+    <p:extLst>
+      <p:ext uri="{BB962C8B-B14F-4D97-AF65-F5344CB8AC3E}">
+        <p14:creationId xmlns:p14="http://schemas.microsoft.com/office/powerpoint/2010/main" val="1359243984"/>
       </p:ext>
     </p:extLst>
   </p:cSld>
@@ -3977,51 +4040,1214 @@
       </p:grpSpPr>
       <p:pic>
         <p:nvPicPr>
-          <p:cNvPr id="3074" name="Picture 2">
+          <p:cNvPr id="3" name="Picture 2">
             <a:extLst>
               <a:ext uri="{FF2B5EF4-FFF2-40B4-BE49-F238E27FC236}">
-                <a16:creationId xmlns:a16="http://schemas.microsoft.com/office/drawing/2014/main" id="{CA65D5EF-3032-744A-9446-48F234664E25}"/>
+                <a16:creationId xmlns:a16="http://schemas.microsoft.com/office/drawing/2014/main" id="{9E8A308F-15B0-3644-9243-03D1995725FC}"/>
               </a:ext>
             </a:extLst>
           </p:cNvPr>
           <p:cNvPicPr>
-            <a:picLocks noChangeAspect="1" noChangeArrowheads="1"/>
+            <a:picLocks noChangeAspect="1"/>
           </p:cNvPicPr>
           <p:nvPr/>
         </p:nvPicPr>
         <p:blipFill>
-          <a:blip r:embed="rId2">
-            <a:extLst>
-              <a:ext uri="{28A0092B-C50C-407E-A947-70E740481C1C}">
-                <a14:useLocalDpi xmlns:a14="http://schemas.microsoft.com/office/drawing/2010/main" val="0"/>
-              </a:ext>
-            </a:extLst>
-          </a:blip>
-          <a:srcRect/>
+          <a:blip r:embed="rId2"/>
           <a:stretch>
             <a:fillRect/>
           </a:stretch>
         </p:blipFill>
-        <p:spPr bwMode="auto">
+        <p:spPr>
           <a:xfrm>
-            <a:off x="3695700" y="2287862"/>
-            <a:ext cx="4800600" cy="2670334"/>
+            <a:off x="1385444" y="2380689"/>
+            <a:ext cx="10038855" cy="2046031"/>
           </a:xfrm>
           <a:prstGeom prst="rect">
             <a:avLst/>
           </a:prstGeom>
-          <a:noFill/>
-          <a:extLst>
-            <a:ext uri="{909E8E84-426E-40DD-AFC4-6F175D3DCCD1}">
-              <a14:hiddenFill xmlns:a14="http://schemas.microsoft.com/office/drawing/2010/main">
-                <a:solidFill>
-                  <a:srgbClr val="FFFFFF"/>
-                </a:solidFill>
-              </a14:hiddenFill>
-            </a:ext>
-          </a:extLst>
         </p:spPr>
       </p:pic>
+      <p:grpSp>
+        <p:nvGrpSpPr>
+          <p:cNvPr id="4" name="Group 3">
+            <a:extLst>
+              <a:ext uri="{FF2B5EF4-FFF2-40B4-BE49-F238E27FC236}">
+                <a16:creationId xmlns:a16="http://schemas.microsoft.com/office/drawing/2014/main" id="{B85DD475-B1B7-A540-880C-A9717813FCFE}"/>
+              </a:ext>
+            </a:extLst>
+          </p:cNvPr>
+          <p:cNvGrpSpPr/>
+          <p:nvPr/>
+        </p:nvGrpSpPr>
+        <p:grpSpPr>
+          <a:xfrm>
+            <a:off x="1800666" y="3864862"/>
+            <a:ext cx="9363802" cy="1746000"/>
+            <a:chOff x="3360126" y="4043080"/>
+            <a:chExt cx="5802628" cy="892736"/>
+          </a:xfrm>
+        </p:grpSpPr>
+        <p:grpSp>
+          <p:nvGrpSpPr>
+            <p:cNvPr id="5" name="Group 4">
+              <a:extLst>
+                <a:ext uri="{FF2B5EF4-FFF2-40B4-BE49-F238E27FC236}">
+                  <a16:creationId xmlns:a16="http://schemas.microsoft.com/office/drawing/2014/main" id="{F8F47DD6-CE18-FC4D-B52F-8B07E98AC66C}"/>
+                </a:ext>
+              </a:extLst>
+            </p:cNvPr>
+            <p:cNvGrpSpPr/>
+            <p:nvPr/>
+          </p:nvGrpSpPr>
+          <p:grpSpPr>
+            <a:xfrm>
+              <a:off x="3360126" y="4381750"/>
+              <a:ext cx="2735874" cy="215396"/>
+              <a:chOff x="7237110" y="4330673"/>
+              <a:chExt cx="2735874" cy="215396"/>
+            </a:xfrm>
+          </p:grpSpPr>
+          <p:sp>
+            <p:nvSpPr>
+              <p:cNvPr id="10" name="Intelligent Information Retrieval Laboratory">
+                <a:extLst>
+                  <a:ext uri="{FF2B5EF4-FFF2-40B4-BE49-F238E27FC236}">
+                    <a16:creationId xmlns:a16="http://schemas.microsoft.com/office/drawing/2014/main" id="{0BCD7975-BBF6-0B4B-BDF2-1EAF55411BC6}"/>
+                  </a:ext>
+                </a:extLst>
+              </p:cNvPr>
+              <p:cNvSpPr txBox="1"/>
+              <p:nvPr/>
+            </p:nvSpPr>
+            <p:spPr>
+              <a:xfrm>
+                <a:off x="7237110" y="4330673"/>
+                <a:ext cx="2590800" cy="215396"/>
+              </a:xfrm>
+              <a:prstGeom prst="rect">
+                <a:avLst/>
+              </a:prstGeom>
+              <a:noFill/>
+              <a:ln w="12700" cap="flat">
+                <a:noFill/>
+                <a:miter lim="400000"/>
+              </a:ln>
+              <a:effectLst/>
+              <a:extLst>
+                <a:ext uri="{C572A759-6A51-4108-AA02-DFA0A04FC94B}">
+                  <ma14:wrappingTextBoxFlag xmlns="" xmlns:m="http://schemas.openxmlformats.org/officeDocument/2006/math" xmlns:a14="http://schemas.microsoft.com/office/drawing/2010/main" xmlns:ma14="http://schemas.microsoft.com/office/mac/drawingml/2011/main" val="1"/>
+                </a:ext>
+              </a:extLst>
+            </p:spPr>
+            <p:txBody>
+              <a:bodyPr wrap="square" lIns="71437" tIns="71437" rIns="71437" bIns="71437" numCol="1" anchor="ctr">
+                <a:spAutoFit/>
+              </a:bodyPr>
+              <a:lstStyle>
+                <a:lvl1pPr algn="l" defTabSz="821531">
+                  <a:defRPr sz="2400" b="0">
+                    <a:solidFill>
+                      <a:srgbClr val="FFFFFF"/>
+                    </a:solidFill>
+                    <a:latin typeface="Helvetica Neue Bold Condensed"/>
+                    <a:ea typeface="Helvetica Neue Bold Condensed"/>
+                    <a:cs typeface="Helvetica Neue Bold Condensed"/>
+                    <a:sym typeface="Helvetica Neue Bold Condensed"/>
+                  </a:defRPr>
+                </a:lvl1pPr>
+              </a:lstStyle>
+              <a:p>
+                <a:r>
+                  <a:rPr kumimoji="0" lang="zh-TW" altLang="en-US" sz="1400" b="0" i="0" u="none" strike="noStrike" cap="none" spc="0" normalizeH="0" baseline="0" dirty="0">
+                    <a:ln>
+                      <a:noFill/>
+                    </a:ln>
+                    <a:solidFill>
+                      <a:schemeClr val="tx1">
+                        <a:alpha val="15000"/>
+                      </a:schemeClr>
+                    </a:solidFill>
+                    <a:effectLst/>
+                    <a:uFillTx/>
+                    <a:latin typeface="Helvetica Neue Bold Condensed"/>
+                    <a:ea typeface="Helvetica Neue Bold Condensed"/>
+                    <a:cs typeface="Helvetica Neue Bold Condensed"/>
+                    <a:sym typeface="Helvetica Neue Bold Condensed"/>
+                  </a:rPr>
+                  <a:t>第</a:t>
+                </a:r>
+                <a:r>
+                  <a:rPr kumimoji="0" lang="en-US" altLang="zh-TW" sz="1400" b="0" i="0" u="none" strike="noStrike" cap="none" spc="0" normalizeH="0" baseline="0" dirty="0">
+                    <a:ln>
+                      <a:noFill/>
+                    </a:ln>
+                    <a:solidFill>
+                      <a:schemeClr val="tx1">
+                        <a:alpha val="15000"/>
+                      </a:schemeClr>
+                    </a:solidFill>
+                    <a:effectLst/>
+                    <a:uFillTx/>
+                    <a:latin typeface="Helvetica Neue Bold Condensed"/>
+                    <a:ea typeface="Helvetica Neue Bold Condensed"/>
+                    <a:cs typeface="Helvetica Neue Bold Condensed"/>
+                    <a:sym typeface="Helvetica Neue Bold Condensed"/>
+                  </a:rPr>
+                  <a:t>13</a:t>
+                </a:r>
+                <a:r>
+                  <a:rPr kumimoji="0" lang="zh-TW" altLang="en-US" sz="1400" b="0" i="0" u="none" strike="noStrike" cap="none" spc="0" normalizeH="0" baseline="0" dirty="0">
+                    <a:ln>
+                      <a:noFill/>
+                    </a:ln>
+                    <a:solidFill>
+                      <a:schemeClr val="tx1">
+                        <a:alpha val="15000"/>
+                      </a:schemeClr>
+                    </a:solidFill>
+                    <a:effectLst/>
+                    <a:uFillTx/>
+                    <a:latin typeface="Helvetica Neue Bold Condensed"/>
+                    <a:ea typeface="Helvetica Neue Bold Condensed"/>
+                    <a:cs typeface="Helvetica Neue Bold Condensed"/>
+                    <a:sym typeface="Helvetica Neue Bold Condensed"/>
+                  </a:rPr>
+                  <a:t>屆 </a:t>
+                </a:r>
+                <a:r>
+                  <a:rPr kumimoji="0" lang="en-US" sz="1800" b="0" i="0" u="none" strike="noStrike" cap="none" spc="0" normalizeH="0" baseline="0" dirty="0">
+                    <a:ln>
+                      <a:noFill/>
+                    </a:ln>
+                    <a:solidFill>
+                      <a:schemeClr val="tx1">
+                        <a:alpha val="15000"/>
+                      </a:schemeClr>
+                    </a:solidFill>
+                    <a:effectLst/>
+                    <a:uFillTx/>
+                    <a:latin typeface="Helvetica Neue Bold Condensed"/>
+                    <a:ea typeface="Helvetica Neue Bold Condensed"/>
+                    <a:cs typeface="Helvetica Neue Bold Condensed"/>
+                    <a:sym typeface="Helvetica Neue Bold Condensed"/>
+                  </a:rPr>
+                  <a:t>iT</a:t>
+                </a:r>
+                <a:r>
+                  <a:rPr kumimoji="0" lang="zh-TW" altLang="en-US" sz="1600" b="0" i="0" u="none" strike="noStrike" cap="none" spc="0" normalizeH="0" baseline="0" dirty="0">
+                    <a:ln>
+                      <a:noFill/>
+                    </a:ln>
+                    <a:solidFill>
+                      <a:schemeClr val="tx1">
+                        <a:alpha val="15000"/>
+                      </a:schemeClr>
+                    </a:solidFill>
+                    <a:effectLst/>
+                    <a:uFillTx/>
+                    <a:latin typeface="Helvetica Neue Bold Condensed"/>
+                    <a:ea typeface="Helvetica Neue Bold Condensed"/>
+                    <a:cs typeface="Helvetica Neue Bold Condensed"/>
+                    <a:sym typeface="Helvetica Neue Bold Condensed"/>
+                  </a:rPr>
+                  <a:t>邦</a:t>
+                </a:r>
+                <a:r>
+                  <a:rPr kumimoji="0" lang="zh-TW" altLang="en-US" sz="1200" b="0" i="0" u="none" strike="noStrike" cap="none" spc="0" normalizeH="0" baseline="0" dirty="0">
+                    <a:ln>
+                      <a:noFill/>
+                    </a:ln>
+                    <a:solidFill>
+                      <a:schemeClr val="tx1">
+                        <a:alpha val="15000"/>
+                      </a:schemeClr>
+                    </a:solidFill>
+                    <a:effectLst/>
+                    <a:uFillTx/>
+                    <a:latin typeface="Helvetica Neue Bold Condensed"/>
+                    <a:ea typeface="Helvetica Neue Bold Condensed"/>
+                    <a:cs typeface="Helvetica Neue Bold Condensed"/>
+                    <a:sym typeface="Helvetica Neue Bold Condensed"/>
+                  </a:rPr>
+                  <a:t>幫忙</a:t>
+                </a:r>
+                <a:r>
+                  <a:rPr kumimoji="0" lang="zh-TW" altLang="en-US" sz="1600" b="0" i="0" u="none" strike="noStrike" cap="none" spc="0" normalizeH="0" baseline="0" dirty="0">
+                    <a:ln>
+                      <a:noFill/>
+                    </a:ln>
+                    <a:solidFill>
+                      <a:schemeClr val="tx1">
+                        <a:alpha val="15000"/>
+                      </a:schemeClr>
+                    </a:solidFill>
+                    <a:effectLst/>
+                    <a:uFillTx/>
+                    <a:latin typeface="Helvetica Neue Bold Condensed"/>
+                    <a:ea typeface="Helvetica Neue Bold Condensed"/>
+                    <a:cs typeface="Helvetica Neue Bold Condensed"/>
+                    <a:sym typeface="Helvetica Neue Bold Condensed"/>
+                  </a:rPr>
+                  <a:t> 鐵人賽</a:t>
+                </a:r>
+                <a:endParaRPr sz="1600" dirty="0">
+                  <a:solidFill>
+                    <a:schemeClr val="tx1">
+                      <a:alpha val="15000"/>
+                    </a:schemeClr>
+                  </a:solidFill>
+                </a:endParaRPr>
+              </a:p>
+            </p:txBody>
+          </p:sp>
+          <p:sp>
+            <p:nvSpPr>
+              <p:cNvPr id="11" name="Intelligent Information Retrieval Laboratory">
+                <a:extLst>
+                  <a:ext uri="{FF2B5EF4-FFF2-40B4-BE49-F238E27FC236}">
+                    <a16:creationId xmlns:a16="http://schemas.microsoft.com/office/drawing/2014/main" id="{7F9C2DE8-4226-9340-BED3-763386D4B379}"/>
+                  </a:ext>
+                </a:extLst>
+              </p:cNvPr>
+              <p:cNvSpPr txBox="1"/>
+              <p:nvPr/>
+            </p:nvSpPr>
+            <p:spPr>
+              <a:xfrm>
+                <a:off x="8753784" y="4354105"/>
+                <a:ext cx="1219200" cy="183922"/>
+              </a:xfrm>
+              <a:prstGeom prst="rect">
+                <a:avLst/>
+              </a:prstGeom>
+              <a:noFill/>
+              <a:ln w="12700" cap="flat">
+                <a:noFill/>
+                <a:miter lim="400000"/>
+              </a:ln>
+              <a:effectLst/>
+              <a:extLst>
+                <a:ext uri="{C572A759-6A51-4108-AA02-DFA0A04FC94B}">
+                  <ma14:wrappingTextBoxFlag xmlns="" xmlns:m="http://schemas.openxmlformats.org/officeDocument/2006/math" xmlns:a14="http://schemas.microsoft.com/office/drawing/2010/main" xmlns:ma14="http://schemas.microsoft.com/office/mac/drawingml/2011/main" val="1"/>
+                </a:ext>
+              </a:extLst>
+            </p:spPr>
+            <p:txBody>
+              <a:bodyPr wrap="square" lIns="71437" tIns="71437" rIns="71437" bIns="71437" numCol="1" anchor="ctr">
+                <a:spAutoFit/>
+              </a:bodyPr>
+              <a:lstStyle>
+                <a:lvl1pPr algn="l" defTabSz="821531">
+                  <a:defRPr sz="2400" b="0">
+                    <a:solidFill>
+                      <a:srgbClr val="FFFFFF"/>
+                    </a:solidFill>
+                    <a:latin typeface="Helvetica Neue Bold Condensed"/>
+                    <a:ea typeface="Helvetica Neue Bold Condensed"/>
+                    <a:cs typeface="Helvetica Neue Bold Condensed"/>
+                    <a:sym typeface="Helvetica Neue Bold Condensed"/>
+                  </a:defRPr>
+                </a:lvl1pPr>
+              </a:lstStyle>
+              <a:p>
+                <a:r>
+                  <a:rPr kumimoji="0" lang="en-US" altLang="zh-TW" sz="1400" b="0" i="0" u="none" strike="noStrike" cap="none" spc="0" normalizeH="0" baseline="0" dirty="0">
+                    <a:ln>
+                      <a:noFill/>
+                    </a:ln>
+                    <a:solidFill>
+                      <a:schemeClr val="tx1">
+                        <a:alpha val="15000"/>
+                      </a:schemeClr>
+                    </a:solidFill>
+                    <a:effectLst/>
+                    <a:uFillTx/>
+                    <a:latin typeface="Helvetica Neue Bold Condensed"/>
+                    <a:ea typeface="Helvetica Neue Bold Condensed"/>
+                    <a:cs typeface="Helvetica Neue Bold Condensed"/>
+                    <a:sym typeface="Helvetica Neue Bold Condensed"/>
+                  </a:rPr>
+                  <a:t>AI &amp; Data </a:t>
+                </a:r>
+                <a:r>
+                  <a:rPr kumimoji="0" lang="zh-TW" altLang="en-US" sz="1400" b="0" i="0" u="none" strike="noStrike" cap="none" spc="0" normalizeH="0" baseline="0" dirty="0">
+                    <a:ln>
+                      <a:noFill/>
+                    </a:ln>
+                    <a:solidFill>
+                      <a:schemeClr val="tx1">
+                        <a:alpha val="15000"/>
+                      </a:schemeClr>
+                    </a:solidFill>
+                    <a:effectLst/>
+                    <a:uFillTx/>
+                    <a:latin typeface="Helvetica Neue Bold Condensed"/>
+                    <a:ea typeface="Helvetica Neue Bold Condensed"/>
+                    <a:cs typeface="Helvetica Neue Bold Condensed"/>
+                    <a:sym typeface="Helvetica Neue Bold Condensed"/>
+                  </a:rPr>
+                  <a:t>組</a:t>
+                </a:r>
+                <a:endParaRPr sz="1600" dirty="0">
+                  <a:solidFill>
+                    <a:schemeClr val="tx1">
+                      <a:alpha val="15000"/>
+                    </a:schemeClr>
+                  </a:solidFill>
+                </a:endParaRPr>
+              </a:p>
+            </p:txBody>
+          </p:sp>
+        </p:grpSp>
+        <p:grpSp>
+          <p:nvGrpSpPr>
+            <p:cNvPr id="6" name="Group 5">
+              <a:extLst>
+                <a:ext uri="{FF2B5EF4-FFF2-40B4-BE49-F238E27FC236}">
+                  <a16:creationId xmlns:a16="http://schemas.microsoft.com/office/drawing/2014/main" id="{070E874D-E619-4E40-9F72-834ADBE1C91C}"/>
+                </a:ext>
+              </a:extLst>
+            </p:cNvPr>
+            <p:cNvGrpSpPr/>
+            <p:nvPr/>
+          </p:nvGrpSpPr>
+          <p:grpSpPr>
+            <a:xfrm>
+              <a:off x="7245205" y="4043080"/>
+              <a:ext cx="1917549" cy="892736"/>
+              <a:chOff x="3889162" y="4011274"/>
+              <a:chExt cx="1917549" cy="892736"/>
+            </a:xfrm>
+          </p:grpSpPr>
+          <p:pic>
+            <p:nvPicPr>
+              <p:cNvPr id="7" name="Picture 6">
+                <a:extLst>
+                  <a:ext uri="{FF2B5EF4-FFF2-40B4-BE49-F238E27FC236}">
+                    <a16:creationId xmlns:a16="http://schemas.microsoft.com/office/drawing/2014/main" id="{2CC87A78-8441-0644-94CB-6E89F7300762}"/>
+                  </a:ext>
+                </a:extLst>
+              </p:cNvPr>
+              <p:cNvPicPr>
+                <a:picLocks noChangeAspect="1" noChangeArrowheads="1"/>
+              </p:cNvPicPr>
+              <p:nvPr/>
+            </p:nvPicPr>
+            <p:blipFill>
+              <a:blip r:embed="rId3">
+                <a:duotone>
+                  <a:prstClr val="black"/>
+                  <a:schemeClr val="tx1">
+                    <a:tint val="45000"/>
+                    <a:satMod val="400000"/>
+                  </a:schemeClr>
+                </a:duotone>
+                <a:alphaModFix amt="20000"/>
+              </a:blip>
+              <a:srcRect/>
+              <a:stretch/>
+            </p:blipFill>
+            <p:spPr bwMode="auto">
+              <a:xfrm>
+                <a:off x="4504801" y="4011274"/>
+                <a:ext cx="1080117" cy="892736"/>
+              </a:xfrm>
+              <a:prstGeom prst="rect">
+                <a:avLst/>
+              </a:prstGeom>
+              <a:noFill/>
+              <a:extLst>
+                <a:ext uri="{909E8E84-426E-40DD-AFC4-6F175D3DCCD1}">
+                  <a14:hiddenFill xmlns:a14="http://schemas.microsoft.com/office/drawing/2010/main">
+                    <a:solidFill>
+                      <a:srgbClr val="FFFFFF"/>
+                    </a:solidFill>
+                  </a14:hiddenFill>
+                </a:ext>
+              </a:extLst>
+            </p:spPr>
+          </p:pic>
+          <p:pic>
+            <p:nvPicPr>
+              <p:cNvPr id="8" name="Picture 4" descr="Youtube logo | Logok">
+                <a:extLst>
+                  <a:ext uri="{FF2B5EF4-FFF2-40B4-BE49-F238E27FC236}">
+                    <a16:creationId xmlns:a16="http://schemas.microsoft.com/office/drawing/2014/main" id="{2D39A91F-A4EC-B54B-AAD2-3210CE0E7656}"/>
+                  </a:ext>
+                </a:extLst>
+              </p:cNvPr>
+              <p:cNvPicPr>
+                <a:picLocks noChangeAspect="1" noChangeArrowheads="1"/>
+              </p:cNvPicPr>
+              <p:nvPr/>
+            </p:nvPicPr>
+            <p:blipFill>
+              <a:blip r:embed="rId4">
+                <a:alphaModFix amt="20000"/>
+                <a:extLst>
+                  <a:ext uri="{28A0092B-C50C-407E-A947-70E740481C1C}">
+                    <a14:useLocalDpi xmlns:a14="http://schemas.microsoft.com/office/drawing/2010/main" val="0"/>
+                  </a:ext>
+                </a:extLst>
+              </a:blip>
+              <a:srcRect/>
+              <a:stretch>
+                <a:fillRect/>
+              </a:stretch>
+            </p:blipFill>
+            <p:spPr bwMode="auto">
+              <a:xfrm>
+                <a:off x="3889162" y="4233740"/>
+                <a:ext cx="768344" cy="478652"/>
+              </a:xfrm>
+              <a:prstGeom prst="rect">
+                <a:avLst/>
+              </a:prstGeom>
+              <a:noFill/>
+              <a:extLst>
+                <a:ext uri="{909E8E84-426E-40DD-AFC4-6F175D3DCCD1}">
+                  <a14:hiddenFill xmlns:a14="http://schemas.microsoft.com/office/drawing/2010/main">
+                    <a:solidFill>
+                      <a:srgbClr val="FFFFFF"/>
+                    </a:solidFill>
+                  </a14:hiddenFill>
+                </a:ext>
+              </a:extLst>
+            </p:spPr>
+          </p:pic>
+          <p:sp>
+            <p:nvSpPr>
+              <p:cNvPr id="9" name="Intelligent Information Retrieval Laboratory">
+                <a:extLst>
+                  <a:ext uri="{FF2B5EF4-FFF2-40B4-BE49-F238E27FC236}">
+                    <a16:creationId xmlns:a16="http://schemas.microsoft.com/office/drawing/2014/main" id="{9B875EB6-802D-F142-9DBD-3C8ADDF5B973}"/>
+                  </a:ext>
+                </a:extLst>
+              </p:cNvPr>
+              <p:cNvSpPr txBox="1"/>
+              <p:nvPr/>
+            </p:nvSpPr>
+            <p:spPr>
+              <a:xfrm>
+                <a:off x="4587511" y="4365368"/>
+                <a:ext cx="1219200" cy="215396"/>
+              </a:xfrm>
+              <a:prstGeom prst="rect">
+                <a:avLst/>
+              </a:prstGeom>
+              <a:noFill/>
+              <a:ln w="12700" cap="flat">
+                <a:noFill/>
+                <a:miter lim="400000"/>
+              </a:ln>
+              <a:effectLst/>
+              <a:extLst>
+                <a:ext uri="{C572A759-6A51-4108-AA02-DFA0A04FC94B}">
+                  <ma14:wrappingTextBoxFlag xmlns="" xmlns:m="http://schemas.openxmlformats.org/officeDocument/2006/math" xmlns:a14="http://schemas.microsoft.com/office/drawing/2010/main" xmlns:ma14="http://schemas.microsoft.com/office/mac/drawingml/2011/main" val="1"/>
+                </a:ext>
+              </a:extLst>
+            </p:spPr>
+            <p:txBody>
+              <a:bodyPr wrap="square" lIns="71437" tIns="71437" rIns="71437" bIns="71437" numCol="1" anchor="ctr">
+                <a:spAutoFit/>
+              </a:bodyPr>
+              <a:lstStyle>
+                <a:lvl1pPr algn="l" defTabSz="821531">
+                  <a:defRPr sz="2400" b="0">
+                    <a:solidFill>
+                      <a:srgbClr val="FFFFFF"/>
+                    </a:solidFill>
+                    <a:latin typeface="Helvetica Neue Bold Condensed"/>
+                    <a:ea typeface="Helvetica Neue Bold Condensed"/>
+                    <a:cs typeface="Helvetica Neue Bold Condensed"/>
+                    <a:sym typeface="Helvetica Neue Bold Condensed"/>
+                  </a:defRPr>
+                </a:lvl1pPr>
+              </a:lstStyle>
+              <a:p>
+                <a:r>
+                  <a:rPr kumimoji="0" lang="en-US" altLang="zh-TW" sz="1800" b="0" i="0" u="none" strike="noStrike" cap="none" spc="0" normalizeH="0" baseline="0" dirty="0">
+                    <a:ln>
+                      <a:noFill/>
+                    </a:ln>
+                    <a:solidFill>
+                      <a:schemeClr val="tx1">
+                        <a:alpha val="15000"/>
+                      </a:schemeClr>
+                    </a:solidFill>
+                    <a:effectLst/>
+                    <a:uFillTx/>
+                    <a:latin typeface="Helvetica Neue Bold Condensed"/>
+                    <a:ea typeface="Helvetica Neue Bold Condensed"/>
+                    <a:cs typeface="Helvetica Neue Bold Condensed"/>
+                    <a:sym typeface="Helvetica Neue Bold Condensed"/>
+                  </a:rPr>
+                  <a:t>10</a:t>
+                </a:r>
+                <a:r>
+                  <a:rPr kumimoji="0" lang="zh-TW" altLang="en-US" sz="1800" b="0" i="0" u="none" strike="noStrike" cap="none" spc="0" normalizeH="0" baseline="0" dirty="0">
+                    <a:ln>
+                      <a:noFill/>
+                    </a:ln>
+                    <a:solidFill>
+                      <a:schemeClr val="tx1">
+                        <a:alpha val="15000"/>
+                      </a:schemeClr>
+                    </a:solidFill>
+                    <a:effectLst/>
+                    <a:uFillTx/>
+                    <a:sym typeface="Helvetica Neue Bold Condensed"/>
+                  </a:rPr>
+                  <a:t>程式中</a:t>
+                </a:r>
+                <a:endParaRPr sz="2000" dirty="0">
+                  <a:solidFill>
+                    <a:schemeClr val="tx1">
+                      <a:alpha val="15000"/>
+                    </a:schemeClr>
+                  </a:solidFill>
+                </a:endParaRPr>
+              </a:p>
+            </p:txBody>
+          </p:sp>
+        </p:grpSp>
+      </p:grpSp>
+    </p:spTree>
+    <p:extLst>
+      <p:ext uri="{BB962C8B-B14F-4D97-AF65-F5344CB8AC3E}">
+        <p14:creationId xmlns:p14="http://schemas.microsoft.com/office/powerpoint/2010/main" val="4172778271"/>
+      </p:ext>
+    </p:extLst>
+  </p:cSld>
+  <p:clrMapOvr>
+    <a:masterClrMapping/>
+  </p:clrMapOvr>
+</p:sld>
+</file>
+
+<file path=ppt/slides/slide3.xml><?xml version="1.0" encoding="utf-8"?>
+<p:sld xmlns:a="http://schemas.openxmlformats.org/drawingml/2006/main" xmlns:r="http://schemas.openxmlformats.org/officeDocument/2006/relationships" xmlns:p="http://schemas.openxmlformats.org/presentationml/2006/main">
+  <p:cSld>
+    <p:spTree>
+      <p:nvGrpSpPr>
+        <p:cNvPr id="1" name=""/>
+        <p:cNvGrpSpPr/>
+        <p:nvPr/>
+      </p:nvGrpSpPr>
+      <p:grpSpPr>
+        <a:xfrm>
+          <a:off x="0" y="0"/>
+          <a:ext cx="0" cy="0"/>
+          <a:chOff x="0" y="0"/>
+          <a:chExt cx="0" cy="0"/>
+        </a:xfrm>
+      </p:grpSpPr>
+      <p:grpSp>
+        <p:nvGrpSpPr>
+          <p:cNvPr id="4" name="Group 3">
+            <a:extLst>
+              <a:ext uri="{FF2B5EF4-FFF2-40B4-BE49-F238E27FC236}">
+                <a16:creationId xmlns:a16="http://schemas.microsoft.com/office/drawing/2014/main" id="{EEF60CB6-8A5D-E547-AE66-670FA9E3D47D}"/>
+              </a:ext>
+            </a:extLst>
+          </p:cNvPr>
+          <p:cNvGrpSpPr/>
+          <p:nvPr/>
+        </p:nvGrpSpPr>
+        <p:grpSpPr>
+          <a:xfrm>
+            <a:off x="3213778" y="4541192"/>
+            <a:ext cx="5764444" cy="1050587"/>
+            <a:chOff x="3360126" y="3971848"/>
+            <a:chExt cx="5764444" cy="1050587"/>
+          </a:xfrm>
+        </p:grpSpPr>
+        <p:grpSp>
+          <p:nvGrpSpPr>
+            <p:cNvPr id="5" name="Group 4">
+              <a:extLst>
+                <a:ext uri="{FF2B5EF4-FFF2-40B4-BE49-F238E27FC236}">
+                  <a16:creationId xmlns:a16="http://schemas.microsoft.com/office/drawing/2014/main" id="{1A4130E2-3580-6B45-965B-C1C6BF029C6C}"/>
+                </a:ext>
+              </a:extLst>
+            </p:cNvPr>
+            <p:cNvGrpSpPr/>
+            <p:nvPr/>
+          </p:nvGrpSpPr>
+          <p:grpSpPr>
+            <a:xfrm>
+              <a:off x="3360126" y="4324980"/>
+              <a:ext cx="2735874" cy="328935"/>
+              <a:chOff x="7237110" y="4273903"/>
+              <a:chExt cx="2735874" cy="328935"/>
+            </a:xfrm>
+          </p:grpSpPr>
+          <p:sp>
+            <p:nvSpPr>
+              <p:cNvPr id="10" name="Intelligent Information Retrieval Laboratory">
+                <a:extLst>
+                  <a:ext uri="{FF2B5EF4-FFF2-40B4-BE49-F238E27FC236}">
+                    <a16:creationId xmlns:a16="http://schemas.microsoft.com/office/drawing/2014/main" id="{FDDA64DD-0E9C-CD48-B613-035479E0EAA8}"/>
+                  </a:ext>
+                </a:extLst>
+              </p:cNvPr>
+              <p:cNvSpPr txBox="1"/>
+              <p:nvPr/>
+            </p:nvSpPr>
+            <p:spPr>
+              <a:xfrm>
+                <a:off x="7237110" y="4273903"/>
+                <a:ext cx="2590800" cy="328935"/>
+              </a:xfrm>
+              <a:prstGeom prst="rect">
+                <a:avLst/>
+              </a:prstGeom>
+              <a:noFill/>
+              <a:ln w="12700" cap="flat">
+                <a:noFill/>
+                <a:miter lim="400000"/>
+              </a:ln>
+              <a:effectLst/>
+              <a:extLst>
+                <a:ext uri="{C572A759-6A51-4108-AA02-DFA0A04FC94B}">
+                  <ma14:wrappingTextBoxFlag xmlns="" xmlns:m="http://schemas.openxmlformats.org/officeDocument/2006/math" xmlns:a14="http://schemas.microsoft.com/office/drawing/2010/main" xmlns:ma14="http://schemas.microsoft.com/office/mac/drawingml/2011/main" val="1"/>
+                </a:ext>
+              </a:extLst>
+            </p:spPr>
+            <p:txBody>
+              <a:bodyPr wrap="square" lIns="71437" tIns="71437" rIns="71437" bIns="71437" numCol="1" anchor="ctr">
+                <a:spAutoFit/>
+              </a:bodyPr>
+              <a:lstStyle>
+                <a:lvl1pPr algn="l" defTabSz="821531">
+                  <a:defRPr sz="2400" b="0">
+                    <a:solidFill>
+                      <a:srgbClr val="FFFFFF"/>
+                    </a:solidFill>
+                    <a:latin typeface="Helvetica Neue Bold Condensed"/>
+                    <a:ea typeface="Helvetica Neue Bold Condensed"/>
+                    <a:cs typeface="Helvetica Neue Bold Condensed"/>
+                    <a:sym typeface="Helvetica Neue Bold Condensed"/>
+                  </a:defRPr>
+                </a:lvl1pPr>
+              </a:lstStyle>
+              <a:p>
+                <a:r>
+                  <a:rPr kumimoji="0" lang="zh-TW" altLang="en-US" sz="1050" b="0" i="0" u="none" strike="noStrike" cap="none" spc="0" normalizeH="0" baseline="0" dirty="0">
+                    <a:ln>
+                      <a:noFill/>
+                    </a:ln>
+                    <a:solidFill>
+                      <a:schemeClr val="tx1">
+                        <a:alpha val="15000"/>
+                      </a:schemeClr>
+                    </a:solidFill>
+                    <a:effectLst/>
+                    <a:uFillTx/>
+                    <a:latin typeface="Helvetica Neue Bold Condensed"/>
+                    <a:ea typeface="Helvetica Neue Bold Condensed"/>
+                    <a:cs typeface="Helvetica Neue Bold Condensed"/>
+                    <a:sym typeface="Helvetica Neue Bold Condensed"/>
+                  </a:rPr>
+                  <a:t>第</a:t>
+                </a:r>
+                <a:r>
+                  <a:rPr kumimoji="0" lang="en-US" altLang="zh-TW" sz="1050" b="0" i="0" u="none" strike="noStrike" cap="none" spc="0" normalizeH="0" baseline="0" dirty="0">
+                    <a:ln>
+                      <a:noFill/>
+                    </a:ln>
+                    <a:solidFill>
+                      <a:schemeClr val="tx1">
+                        <a:alpha val="15000"/>
+                      </a:schemeClr>
+                    </a:solidFill>
+                    <a:effectLst/>
+                    <a:uFillTx/>
+                    <a:latin typeface="Helvetica Neue Bold Condensed"/>
+                    <a:ea typeface="Helvetica Neue Bold Condensed"/>
+                    <a:cs typeface="Helvetica Neue Bold Condensed"/>
+                    <a:sym typeface="Helvetica Neue Bold Condensed"/>
+                  </a:rPr>
+                  <a:t>13</a:t>
+                </a:r>
+                <a:r>
+                  <a:rPr kumimoji="0" lang="zh-TW" altLang="en-US" sz="1050" b="0" i="0" u="none" strike="noStrike" cap="none" spc="0" normalizeH="0" baseline="0" dirty="0">
+                    <a:ln>
+                      <a:noFill/>
+                    </a:ln>
+                    <a:solidFill>
+                      <a:schemeClr val="tx1">
+                        <a:alpha val="15000"/>
+                      </a:schemeClr>
+                    </a:solidFill>
+                    <a:effectLst/>
+                    <a:uFillTx/>
+                    <a:latin typeface="Helvetica Neue Bold Condensed"/>
+                    <a:ea typeface="Helvetica Neue Bold Condensed"/>
+                    <a:cs typeface="Helvetica Neue Bold Condensed"/>
+                    <a:sym typeface="Helvetica Neue Bold Condensed"/>
+                  </a:rPr>
+                  <a:t>屆 </a:t>
+                </a:r>
+                <a:r>
+                  <a:rPr kumimoji="0" lang="en-US" sz="1200" b="0" i="0" u="none" strike="noStrike" cap="none" spc="0" normalizeH="0" baseline="0" dirty="0">
+                    <a:ln>
+                      <a:noFill/>
+                    </a:ln>
+                    <a:solidFill>
+                      <a:schemeClr val="tx1">
+                        <a:alpha val="15000"/>
+                      </a:schemeClr>
+                    </a:solidFill>
+                    <a:effectLst/>
+                    <a:uFillTx/>
+                    <a:latin typeface="Helvetica Neue Bold Condensed"/>
+                    <a:ea typeface="Helvetica Neue Bold Condensed"/>
+                    <a:cs typeface="Helvetica Neue Bold Condensed"/>
+                    <a:sym typeface="Helvetica Neue Bold Condensed"/>
+                  </a:rPr>
+                  <a:t>iT</a:t>
+                </a:r>
+                <a:r>
+                  <a:rPr kumimoji="0" lang="zh-TW" altLang="en-US" sz="1100" b="0" i="0" u="none" strike="noStrike" cap="none" spc="0" normalizeH="0" baseline="0" dirty="0">
+                    <a:ln>
+                      <a:noFill/>
+                    </a:ln>
+                    <a:solidFill>
+                      <a:schemeClr val="tx1">
+                        <a:alpha val="15000"/>
+                      </a:schemeClr>
+                    </a:solidFill>
+                    <a:effectLst/>
+                    <a:uFillTx/>
+                    <a:latin typeface="Helvetica Neue Bold Condensed"/>
+                    <a:ea typeface="Helvetica Neue Bold Condensed"/>
+                    <a:cs typeface="Helvetica Neue Bold Condensed"/>
+                    <a:sym typeface="Helvetica Neue Bold Condensed"/>
+                  </a:rPr>
+                  <a:t>邦</a:t>
+                </a:r>
+                <a:r>
+                  <a:rPr kumimoji="0" lang="zh-TW" altLang="en-US" sz="1000" b="0" i="0" u="none" strike="noStrike" cap="none" spc="0" normalizeH="0" baseline="0" dirty="0">
+                    <a:ln>
+                      <a:noFill/>
+                    </a:ln>
+                    <a:solidFill>
+                      <a:schemeClr val="tx1">
+                        <a:alpha val="15000"/>
+                      </a:schemeClr>
+                    </a:solidFill>
+                    <a:effectLst/>
+                    <a:uFillTx/>
+                    <a:latin typeface="Helvetica Neue Bold Condensed"/>
+                    <a:ea typeface="Helvetica Neue Bold Condensed"/>
+                    <a:cs typeface="Helvetica Neue Bold Condensed"/>
+                    <a:sym typeface="Helvetica Neue Bold Condensed"/>
+                  </a:rPr>
+                  <a:t>幫忙</a:t>
+                </a:r>
+                <a:r>
+                  <a:rPr kumimoji="0" lang="zh-TW" altLang="en-US" sz="1100" b="0" i="0" u="none" strike="noStrike" cap="none" spc="0" normalizeH="0" baseline="0" dirty="0">
+                    <a:ln>
+                      <a:noFill/>
+                    </a:ln>
+                    <a:solidFill>
+                      <a:schemeClr val="tx1">
+                        <a:alpha val="15000"/>
+                      </a:schemeClr>
+                    </a:solidFill>
+                    <a:effectLst/>
+                    <a:uFillTx/>
+                    <a:latin typeface="Helvetica Neue Bold Condensed"/>
+                    <a:ea typeface="Helvetica Neue Bold Condensed"/>
+                    <a:cs typeface="Helvetica Neue Bold Condensed"/>
+                    <a:sym typeface="Helvetica Neue Bold Condensed"/>
+                  </a:rPr>
+                  <a:t> 鐵人賽</a:t>
+                </a:r>
+                <a:endParaRPr sz="1100" dirty="0">
+                  <a:solidFill>
+                    <a:schemeClr val="tx1">
+                      <a:alpha val="15000"/>
+                    </a:schemeClr>
+                  </a:solidFill>
+                </a:endParaRPr>
+              </a:p>
+            </p:txBody>
+          </p:sp>
+          <p:sp>
+            <p:nvSpPr>
+              <p:cNvPr id="11" name="Intelligent Information Retrieval Laboratory">
+                <a:extLst>
+                  <a:ext uri="{FF2B5EF4-FFF2-40B4-BE49-F238E27FC236}">
+                    <a16:creationId xmlns:a16="http://schemas.microsoft.com/office/drawing/2014/main" id="{6982B6BE-E787-C448-9661-93C1DBA8CABE}"/>
+                  </a:ext>
+                </a:extLst>
+              </p:cNvPr>
+              <p:cNvSpPr txBox="1"/>
+              <p:nvPr/>
+            </p:nvSpPr>
+            <p:spPr>
+              <a:xfrm>
+                <a:off x="8753784" y="4289292"/>
+                <a:ext cx="1219200" cy="313546"/>
+              </a:xfrm>
+              <a:prstGeom prst="rect">
+                <a:avLst/>
+              </a:prstGeom>
+              <a:noFill/>
+              <a:ln w="12700" cap="flat">
+                <a:noFill/>
+                <a:miter lim="400000"/>
+              </a:ln>
+              <a:effectLst/>
+              <a:extLst>
+                <a:ext uri="{C572A759-6A51-4108-AA02-DFA0A04FC94B}">
+                  <ma14:wrappingTextBoxFlag xmlns="" xmlns:m="http://schemas.openxmlformats.org/officeDocument/2006/math" xmlns:a14="http://schemas.microsoft.com/office/drawing/2010/main" xmlns:ma14="http://schemas.microsoft.com/office/mac/drawingml/2011/main" val="1"/>
+                </a:ext>
+              </a:extLst>
+            </p:spPr>
+            <p:txBody>
+              <a:bodyPr wrap="square" lIns="71437" tIns="71437" rIns="71437" bIns="71437" numCol="1" anchor="ctr">
+                <a:spAutoFit/>
+              </a:bodyPr>
+              <a:lstStyle>
+                <a:lvl1pPr algn="l" defTabSz="821531">
+                  <a:defRPr sz="2400" b="0">
+                    <a:solidFill>
+                      <a:srgbClr val="FFFFFF"/>
+                    </a:solidFill>
+                    <a:latin typeface="Helvetica Neue Bold Condensed"/>
+                    <a:ea typeface="Helvetica Neue Bold Condensed"/>
+                    <a:cs typeface="Helvetica Neue Bold Condensed"/>
+                    <a:sym typeface="Helvetica Neue Bold Condensed"/>
+                  </a:defRPr>
+                </a:lvl1pPr>
+              </a:lstStyle>
+              <a:p>
+                <a:r>
+                  <a:rPr kumimoji="0" lang="en-US" altLang="zh-TW" sz="1050" b="0" i="0" u="none" strike="noStrike" cap="none" spc="0" normalizeH="0" baseline="0" dirty="0">
+                    <a:ln>
+                      <a:noFill/>
+                    </a:ln>
+                    <a:solidFill>
+                      <a:schemeClr val="tx1">
+                        <a:alpha val="15000"/>
+                      </a:schemeClr>
+                    </a:solidFill>
+                    <a:effectLst/>
+                    <a:uFillTx/>
+                    <a:latin typeface="Helvetica Neue Bold Condensed"/>
+                    <a:ea typeface="Helvetica Neue Bold Condensed"/>
+                    <a:cs typeface="Helvetica Neue Bold Condensed"/>
+                    <a:sym typeface="Helvetica Neue Bold Condensed"/>
+                  </a:rPr>
+                  <a:t>AI &amp; Data </a:t>
+                </a:r>
+                <a:r>
+                  <a:rPr kumimoji="0" lang="zh-TW" altLang="en-US" sz="1050" b="0" i="0" u="none" strike="noStrike" cap="none" spc="0" normalizeH="0" baseline="0" dirty="0">
+                    <a:ln>
+                      <a:noFill/>
+                    </a:ln>
+                    <a:solidFill>
+                      <a:schemeClr val="tx1">
+                        <a:alpha val="15000"/>
+                      </a:schemeClr>
+                    </a:solidFill>
+                    <a:effectLst/>
+                    <a:uFillTx/>
+                    <a:latin typeface="Helvetica Neue Bold Condensed"/>
+                    <a:ea typeface="Helvetica Neue Bold Condensed"/>
+                    <a:cs typeface="Helvetica Neue Bold Condensed"/>
+                    <a:sym typeface="Helvetica Neue Bold Condensed"/>
+                  </a:rPr>
+                  <a:t>組</a:t>
+                </a:r>
+                <a:endParaRPr sz="1100" dirty="0">
+                  <a:solidFill>
+                    <a:schemeClr val="tx1">
+                      <a:alpha val="15000"/>
+                    </a:schemeClr>
+                  </a:solidFill>
+                </a:endParaRPr>
+              </a:p>
+            </p:txBody>
+          </p:sp>
+        </p:grpSp>
+        <p:grpSp>
+          <p:nvGrpSpPr>
+            <p:cNvPr id="6" name="Group 5">
+              <a:extLst>
+                <a:ext uri="{FF2B5EF4-FFF2-40B4-BE49-F238E27FC236}">
+                  <a16:creationId xmlns:a16="http://schemas.microsoft.com/office/drawing/2014/main" id="{D5930738-67EC-C144-9D9B-9DB2DFCF249C}"/>
+                </a:ext>
+              </a:extLst>
+            </p:cNvPr>
+            <p:cNvGrpSpPr/>
+            <p:nvPr/>
+          </p:nvGrpSpPr>
+          <p:grpSpPr>
+            <a:xfrm>
+              <a:off x="7247835" y="3971848"/>
+              <a:ext cx="1876735" cy="1050587"/>
+              <a:chOff x="3891792" y="3940042"/>
+              <a:chExt cx="1876735" cy="1050587"/>
+            </a:xfrm>
+          </p:grpSpPr>
+          <p:pic>
+            <p:nvPicPr>
+              <p:cNvPr id="7" name="Picture 6">
+                <a:extLst>
+                  <a:ext uri="{FF2B5EF4-FFF2-40B4-BE49-F238E27FC236}">
+                    <a16:creationId xmlns:a16="http://schemas.microsoft.com/office/drawing/2014/main" id="{12E1EF26-FC29-9940-9DCE-81A9FD86CCE9}"/>
+                  </a:ext>
+                </a:extLst>
+              </p:cNvPr>
+              <p:cNvPicPr>
+                <a:picLocks noChangeAspect="1" noChangeArrowheads="1"/>
+              </p:cNvPicPr>
+              <p:nvPr/>
+            </p:nvPicPr>
+            <p:blipFill>
+              <a:blip r:embed="rId2">
+                <a:duotone>
+                  <a:prstClr val="black"/>
+                  <a:schemeClr val="tx1">
+                    <a:tint val="45000"/>
+                    <a:satMod val="400000"/>
+                  </a:schemeClr>
+                </a:duotone>
+                <a:alphaModFix amt="20000"/>
+              </a:blip>
+              <a:srcRect/>
+              <a:stretch/>
+            </p:blipFill>
+            <p:spPr bwMode="auto">
+              <a:xfrm>
+                <a:off x="4489805" y="3940042"/>
+                <a:ext cx="1050587" cy="1050587"/>
+              </a:xfrm>
+              <a:prstGeom prst="rect">
+                <a:avLst/>
+              </a:prstGeom>
+              <a:noFill/>
+              <a:extLst>
+                <a:ext uri="{909E8E84-426E-40DD-AFC4-6F175D3DCCD1}">
+                  <a14:hiddenFill xmlns:a14="http://schemas.microsoft.com/office/drawing/2010/main">
+                    <a:solidFill>
+                      <a:srgbClr val="FFFFFF"/>
+                    </a:solidFill>
+                  </a14:hiddenFill>
+                </a:ext>
+              </a:extLst>
+            </p:spPr>
+          </p:pic>
+          <p:pic>
+            <p:nvPicPr>
+              <p:cNvPr id="8" name="Picture 4" descr="Youtube logo | Logok">
+                <a:extLst>
+                  <a:ext uri="{FF2B5EF4-FFF2-40B4-BE49-F238E27FC236}">
+                    <a16:creationId xmlns:a16="http://schemas.microsoft.com/office/drawing/2014/main" id="{C39EFC72-8E23-914D-8B52-A331BDF69E57}"/>
+                  </a:ext>
+                </a:extLst>
+              </p:cNvPr>
+              <p:cNvPicPr>
+                <a:picLocks noChangeAspect="1" noChangeArrowheads="1"/>
+              </p:cNvPicPr>
+              <p:nvPr/>
+            </p:nvPicPr>
+            <p:blipFill>
+              <a:blip r:embed="rId3">
+                <a:alphaModFix amt="20000"/>
+                <a:extLst>
+                  <a:ext uri="{28A0092B-C50C-407E-A947-70E740481C1C}">
+                    <a14:useLocalDpi xmlns:a14="http://schemas.microsoft.com/office/drawing/2010/main" val="0"/>
+                  </a:ext>
+                </a:extLst>
+              </a:blip>
+              <a:srcRect/>
+              <a:stretch>
+                <a:fillRect/>
+              </a:stretch>
+            </p:blipFill>
+            <p:spPr bwMode="auto">
+              <a:xfrm>
+                <a:off x="3891792" y="4187926"/>
+                <a:ext cx="739756" cy="554817"/>
+              </a:xfrm>
+              <a:prstGeom prst="rect">
+                <a:avLst/>
+              </a:prstGeom>
+              <a:noFill/>
+              <a:extLst>
+                <a:ext uri="{909E8E84-426E-40DD-AFC4-6F175D3DCCD1}">
+                  <a14:hiddenFill xmlns:a14="http://schemas.microsoft.com/office/drawing/2010/main">
+                    <a:solidFill>
+                      <a:srgbClr val="FFFFFF"/>
+                    </a:solidFill>
+                  </a14:hiddenFill>
+                </a:ext>
+              </a:extLst>
+            </p:spPr>
+          </p:pic>
+          <p:sp>
+            <p:nvSpPr>
+              <p:cNvPr id="9" name="Intelligent Information Retrieval Laboratory">
+                <a:extLst>
+                  <a:ext uri="{FF2B5EF4-FFF2-40B4-BE49-F238E27FC236}">
+                    <a16:creationId xmlns:a16="http://schemas.microsoft.com/office/drawing/2014/main" id="{9A725160-EBDE-954E-B673-5481956C0DF8}"/>
+                  </a:ext>
+                </a:extLst>
+              </p:cNvPr>
+              <p:cNvSpPr txBox="1"/>
+              <p:nvPr/>
+            </p:nvSpPr>
+            <p:spPr>
+              <a:xfrm>
+                <a:off x="4549327" y="4308601"/>
+                <a:ext cx="1219200" cy="328935"/>
+              </a:xfrm>
+              <a:prstGeom prst="rect">
+                <a:avLst/>
+              </a:prstGeom>
+              <a:noFill/>
+              <a:ln w="12700" cap="flat">
+                <a:noFill/>
+                <a:miter lim="400000"/>
+              </a:ln>
+              <a:effectLst/>
+              <a:extLst>
+                <a:ext uri="{C572A759-6A51-4108-AA02-DFA0A04FC94B}">
+                  <ma14:wrappingTextBoxFlag xmlns="" xmlns:m="http://schemas.openxmlformats.org/officeDocument/2006/math" xmlns:a14="http://schemas.microsoft.com/office/drawing/2010/main" xmlns:ma14="http://schemas.microsoft.com/office/mac/drawingml/2011/main" val="1"/>
+                </a:ext>
+              </a:extLst>
+            </p:spPr>
+            <p:txBody>
+              <a:bodyPr wrap="square" lIns="71437" tIns="71437" rIns="71437" bIns="71437" numCol="1" anchor="ctr">
+                <a:spAutoFit/>
+              </a:bodyPr>
+              <a:lstStyle>
+                <a:lvl1pPr algn="l" defTabSz="821531">
+                  <a:defRPr sz="2400" b="0">
+                    <a:solidFill>
+                      <a:srgbClr val="FFFFFF"/>
+                    </a:solidFill>
+                    <a:latin typeface="Helvetica Neue Bold Condensed"/>
+                    <a:ea typeface="Helvetica Neue Bold Condensed"/>
+                    <a:cs typeface="Helvetica Neue Bold Condensed"/>
+                    <a:sym typeface="Helvetica Neue Bold Condensed"/>
+                  </a:defRPr>
+                </a:lvl1pPr>
+              </a:lstStyle>
+              <a:p>
+                <a:r>
+                  <a:rPr kumimoji="0" lang="en-US" altLang="zh-TW" sz="1200" b="0" i="0" u="none" strike="noStrike" cap="none" spc="0" normalizeH="0" baseline="0" dirty="0">
+                    <a:ln>
+                      <a:noFill/>
+                    </a:ln>
+                    <a:solidFill>
+                      <a:schemeClr val="tx1">
+                        <a:alpha val="15000"/>
+                      </a:schemeClr>
+                    </a:solidFill>
+                    <a:effectLst/>
+                    <a:uFillTx/>
+                    <a:latin typeface="Helvetica Neue Bold Condensed"/>
+                    <a:ea typeface="Helvetica Neue Bold Condensed"/>
+                    <a:cs typeface="Helvetica Neue Bold Condensed"/>
+                    <a:sym typeface="Helvetica Neue Bold Condensed"/>
+                  </a:rPr>
+                  <a:t>10</a:t>
+                </a:r>
+                <a:r>
+                  <a:rPr kumimoji="0" lang="zh-TW" altLang="en-US" sz="1200" b="0" i="0" u="none" strike="noStrike" cap="none" spc="0" normalizeH="0" baseline="0" dirty="0">
+                    <a:ln>
+                      <a:noFill/>
+                    </a:ln>
+                    <a:solidFill>
+                      <a:schemeClr val="tx1">
+                        <a:alpha val="15000"/>
+                      </a:schemeClr>
+                    </a:solidFill>
+                    <a:effectLst/>
+                    <a:uFillTx/>
+                    <a:sym typeface="Helvetica Neue Bold Condensed"/>
+                  </a:rPr>
+                  <a:t>程式中</a:t>
+                </a:r>
+                <a:endParaRPr sz="1400" dirty="0">
+                  <a:solidFill>
+                    <a:schemeClr val="tx1">
+                      <a:alpha val="15000"/>
+                    </a:schemeClr>
+                  </a:solidFill>
+                </a:endParaRPr>
+              </a:p>
+            </p:txBody>
+          </p:sp>
+        </p:grpSp>
+      </p:grpSp>
+      <p:pic>
+        <p:nvPicPr>
+          <p:cNvPr id="13" name="Picture 12">
+            <a:extLst>
+              <a:ext uri="{FF2B5EF4-FFF2-40B4-BE49-F238E27FC236}">
+                <a16:creationId xmlns:a16="http://schemas.microsoft.com/office/drawing/2014/main" id="{DCC14277-A9E5-5E41-B73C-C3CB04BE515F}"/>
+              </a:ext>
+            </a:extLst>
+          </p:cNvPr>
+          <p:cNvPicPr>
+            <a:picLocks noChangeAspect="1"/>
+          </p:cNvPicPr>
+          <p:nvPr/>
+        </p:nvPicPr>
+        <p:blipFill>
+          <a:blip r:embed="rId4"/>
+          <a:stretch>
+            <a:fillRect/>
+          </a:stretch>
+        </p:blipFill>
+        <p:spPr>
+          <a:xfrm>
+            <a:off x="4664673" y="1453323"/>
+            <a:ext cx="2862654" cy="3456390"/>
+          </a:xfrm>
+          <a:prstGeom prst="rect">
+            <a:avLst/>
+          </a:prstGeom>
+        </p:spPr>
+      </p:pic>
+    </p:spTree>
+    <p:extLst>
+      <p:ext uri="{BB962C8B-B14F-4D97-AF65-F5344CB8AC3E}">
+        <p14:creationId xmlns:p14="http://schemas.microsoft.com/office/powerpoint/2010/main" val="113885497"/>
+      </p:ext>
+    </p:extLst>
+  </p:cSld>
+  <p:clrMapOvr>
+    <a:masterClrMapping/>
+  </p:clrMapOvr>
+</p:sld>
+</file>
+
+<file path=ppt/slides/slide4.xml><?xml version="1.0" encoding="utf-8"?>
+<p:sld xmlns:a="http://schemas.openxmlformats.org/drawingml/2006/main" xmlns:r="http://schemas.openxmlformats.org/officeDocument/2006/relationships" xmlns:p="http://schemas.openxmlformats.org/presentationml/2006/main">
+  <p:cSld>
+    <p:spTree>
+      <p:nvGrpSpPr>
+        <p:cNvPr id="1" name=""/>
+        <p:cNvGrpSpPr/>
+        <p:nvPr/>
+      </p:nvGrpSpPr>
+      <p:grpSpPr>
+        <a:xfrm>
+          <a:off x="0" y="0"/>
+          <a:ext cx="0" cy="0"/>
+          <a:chOff x="0" y="0"/>
+          <a:chExt cx="0" cy="0"/>
+        </a:xfrm>
+      </p:grpSpPr>
       <p:grpSp>
         <p:nvGrpSpPr>
           <p:cNvPr id="3" name="Group 2">
@@ -4090,7 +5316,7 @@
               <a:effectLst/>
               <a:extLst>
                 <a:ext uri="{C572A759-6A51-4108-AA02-DFA0A04FC94B}">
-                  <ma14:wrappingTextBoxFlag xmlns:ma14="http://schemas.microsoft.com/office/mac/drawingml/2011/main" xmlns:a14="http://schemas.microsoft.com/office/drawing/2010/main" xmlns:m="http://schemas.openxmlformats.org/officeDocument/2006/math" xmlns="" val="1"/>
+                  <ma14:wrappingTextBoxFlag xmlns="" xmlns:m="http://schemas.openxmlformats.org/officeDocument/2006/math" xmlns:a14="http://schemas.microsoft.com/office/drawing/2010/main" xmlns:ma14="http://schemas.microsoft.com/office/mac/drawingml/2011/main" val="1"/>
                 </a:ext>
               </a:extLst>
             </p:spPr>
@@ -4283,7 +5509,7 @@
               <a:effectLst/>
               <a:extLst>
                 <a:ext uri="{C572A759-6A51-4108-AA02-DFA0A04FC94B}">
-                  <ma14:wrappingTextBoxFlag xmlns:ma14="http://schemas.microsoft.com/office/mac/drawingml/2011/main" xmlns:a14="http://schemas.microsoft.com/office/drawing/2010/main" xmlns:m="http://schemas.openxmlformats.org/officeDocument/2006/math" xmlns="" val="1"/>
+                  <ma14:wrappingTextBoxFlag xmlns="" xmlns:m="http://schemas.openxmlformats.org/officeDocument/2006/math" xmlns:a14="http://schemas.microsoft.com/office/drawing/2010/main" xmlns:ma14="http://schemas.microsoft.com/office/mac/drawingml/2011/main" val="1"/>
                 </a:ext>
               </a:extLst>
             </p:spPr>
@@ -4389,6 +5615,641 @@
               <p:nvPr/>
             </p:nvPicPr>
             <p:blipFill>
+              <a:blip r:embed="rId2">
+                <a:duotone>
+                  <a:prstClr val="black"/>
+                  <a:schemeClr val="tx1">
+                    <a:tint val="45000"/>
+                    <a:satMod val="400000"/>
+                  </a:schemeClr>
+                </a:duotone>
+                <a:alphaModFix amt="20000"/>
+              </a:blip>
+              <a:srcRect/>
+              <a:stretch/>
+            </p:blipFill>
+            <p:spPr bwMode="auto">
+              <a:xfrm>
+                <a:off x="4489805" y="3940042"/>
+                <a:ext cx="1050587" cy="1050587"/>
+              </a:xfrm>
+              <a:prstGeom prst="rect">
+                <a:avLst/>
+              </a:prstGeom>
+              <a:noFill/>
+              <a:extLst>
+                <a:ext uri="{909E8E84-426E-40DD-AFC4-6F175D3DCCD1}">
+                  <a14:hiddenFill xmlns:a14="http://schemas.microsoft.com/office/drawing/2010/main">
+                    <a:solidFill>
+                      <a:srgbClr val="FFFFFF"/>
+                    </a:solidFill>
+                  </a14:hiddenFill>
+                </a:ext>
+              </a:extLst>
+            </p:spPr>
+          </p:pic>
+          <p:pic>
+            <p:nvPicPr>
+              <p:cNvPr id="7" name="Picture 4" descr="Youtube logo | Logok">
+                <a:extLst>
+                  <a:ext uri="{FF2B5EF4-FFF2-40B4-BE49-F238E27FC236}">
+                    <a16:creationId xmlns:a16="http://schemas.microsoft.com/office/drawing/2014/main" id="{8734546A-D5CD-4545-9DB0-834BEB6A4CB4}"/>
+                  </a:ext>
+                </a:extLst>
+              </p:cNvPr>
+              <p:cNvPicPr>
+                <a:picLocks noChangeAspect="1" noChangeArrowheads="1"/>
+              </p:cNvPicPr>
+              <p:nvPr/>
+            </p:nvPicPr>
+            <p:blipFill>
+              <a:blip r:embed="rId3">
+                <a:alphaModFix amt="20000"/>
+                <a:extLst>
+                  <a:ext uri="{28A0092B-C50C-407E-A947-70E740481C1C}">
+                    <a14:useLocalDpi xmlns:a14="http://schemas.microsoft.com/office/drawing/2010/main" val="0"/>
+                  </a:ext>
+                </a:extLst>
+              </a:blip>
+              <a:srcRect/>
+              <a:stretch>
+                <a:fillRect/>
+              </a:stretch>
+            </p:blipFill>
+            <p:spPr bwMode="auto">
+              <a:xfrm>
+                <a:off x="3891792" y="4187926"/>
+                <a:ext cx="739756" cy="554817"/>
+              </a:xfrm>
+              <a:prstGeom prst="rect">
+                <a:avLst/>
+              </a:prstGeom>
+              <a:noFill/>
+              <a:extLst>
+                <a:ext uri="{909E8E84-426E-40DD-AFC4-6F175D3DCCD1}">
+                  <a14:hiddenFill xmlns:a14="http://schemas.microsoft.com/office/drawing/2010/main">
+                    <a:solidFill>
+                      <a:srgbClr val="FFFFFF"/>
+                    </a:solidFill>
+                  </a14:hiddenFill>
+                </a:ext>
+              </a:extLst>
+            </p:spPr>
+          </p:pic>
+          <p:sp>
+            <p:nvSpPr>
+              <p:cNvPr id="8" name="Intelligent Information Retrieval Laboratory">
+                <a:extLst>
+                  <a:ext uri="{FF2B5EF4-FFF2-40B4-BE49-F238E27FC236}">
+                    <a16:creationId xmlns:a16="http://schemas.microsoft.com/office/drawing/2014/main" id="{81CCE39A-C812-F84D-836B-7C1BAC116B77}"/>
+                  </a:ext>
+                </a:extLst>
+              </p:cNvPr>
+              <p:cNvSpPr txBox="1"/>
+              <p:nvPr/>
+            </p:nvSpPr>
+            <p:spPr>
+              <a:xfrm>
+                <a:off x="4549327" y="4308601"/>
+                <a:ext cx="1219200" cy="328935"/>
+              </a:xfrm>
+              <a:prstGeom prst="rect">
+                <a:avLst/>
+              </a:prstGeom>
+              <a:noFill/>
+              <a:ln w="12700" cap="flat">
+                <a:noFill/>
+                <a:miter lim="400000"/>
+              </a:ln>
+              <a:effectLst/>
+              <a:extLst>
+                <a:ext uri="{C572A759-6A51-4108-AA02-DFA0A04FC94B}">
+                  <ma14:wrappingTextBoxFlag xmlns="" xmlns:m="http://schemas.openxmlformats.org/officeDocument/2006/math" xmlns:a14="http://schemas.microsoft.com/office/drawing/2010/main" xmlns:ma14="http://schemas.microsoft.com/office/mac/drawingml/2011/main" val="1"/>
+                </a:ext>
+              </a:extLst>
+            </p:spPr>
+            <p:txBody>
+              <a:bodyPr wrap="square" lIns="71437" tIns="71437" rIns="71437" bIns="71437" numCol="1" anchor="ctr">
+                <a:spAutoFit/>
+              </a:bodyPr>
+              <a:lstStyle>
+                <a:lvl1pPr algn="l" defTabSz="821531">
+                  <a:defRPr sz="2400" b="0">
+                    <a:solidFill>
+                      <a:srgbClr val="FFFFFF"/>
+                    </a:solidFill>
+                    <a:latin typeface="Helvetica Neue Bold Condensed"/>
+                    <a:ea typeface="Helvetica Neue Bold Condensed"/>
+                    <a:cs typeface="Helvetica Neue Bold Condensed"/>
+                    <a:sym typeface="Helvetica Neue Bold Condensed"/>
+                  </a:defRPr>
+                </a:lvl1pPr>
+              </a:lstStyle>
+              <a:p>
+                <a:r>
+                  <a:rPr kumimoji="0" lang="en-US" altLang="zh-TW" sz="1200" b="0" i="0" u="none" strike="noStrike" cap="none" spc="0" normalizeH="0" baseline="0" dirty="0">
+                    <a:ln>
+                      <a:noFill/>
+                    </a:ln>
+                    <a:solidFill>
+                      <a:schemeClr val="tx1">
+                        <a:alpha val="15000"/>
+                      </a:schemeClr>
+                    </a:solidFill>
+                    <a:effectLst/>
+                    <a:uFillTx/>
+                    <a:latin typeface="Helvetica Neue Bold Condensed"/>
+                    <a:ea typeface="Helvetica Neue Bold Condensed"/>
+                    <a:cs typeface="Helvetica Neue Bold Condensed"/>
+                    <a:sym typeface="Helvetica Neue Bold Condensed"/>
+                  </a:rPr>
+                  <a:t>10</a:t>
+                </a:r>
+                <a:r>
+                  <a:rPr kumimoji="0" lang="zh-TW" altLang="en-US" sz="1200" b="0" i="0" u="none" strike="noStrike" cap="none" spc="0" normalizeH="0" baseline="0" dirty="0">
+                    <a:ln>
+                      <a:noFill/>
+                    </a:ln>
+                    <a:solidFill>
+                      <a:schemeClr val="tx1">
+                        <a:alpha val="15000"/>
+                      </a:schemeClr>
+                    </a:solidFill>
+                    <a:effectLst/>
+                    <a:uFillTx/>
+                    <a:sym typeface="Helvetica Neue Bold Condensed"/>
+                  </a:rPr>
+                  <a:t>程式中</a:t>
+                </a:r>
+                <a:endParaRPr sz="1400" dirty="0">
+                  <a:solidFill>
+                    <a:schemeClr val="tx1">
+                      <a:alpha val="15000"/>
+                    </a:schemeClr>
+                  </a:solidFill>
+                </a:endParaRPr>
+              </a:p>
+            </p:txBody>
+          </p:sp>
+        </p:grpSp>
+      </p:grpSp>
+      <p:pic>
+        <p:nvPicPr>
+          <p:cNvPr id="11" name="Picture 10">
+            <a:extLst>
+              <a:ext uri="{FF2B5EF4-FFF2-40B4-BE49-F238E27FC236}">
+                <a16:creationId xmlns:a16="http://schemas.microsoft.com/office/drawing/2014/main" id="{8A6E9C3B-9331-284E-86AA-6FC0987B1B77}"/>
+              </a:ext>
+            </a:extLst>
+          </p:cNvPr>
+          <p:cNvPicPr>
+            <a:picLocks noChangeAspect="1"/>
+          </p:cNvPicPr>
+          <p:nvPr/>
+        </p:nvPicPr>
+        <p:blipFill>
+          <a:blip r:embed="rId4"/>
+          <a:stretch>
+            <a:fillRect/>
+          </a:stretch>
+        </p:blipFill>
+        <p:spPr>
+          <a:xfrm>
+            <a:off x="4077149" y="2321534"/>
+            <a:ext cx="3791136" cy="2588179"/>
+          </a:xfrm>
+          <a:prstGeom prst="rect">
+            <a:avLst/>
+          </a:prstGeom>
+        </p:spPr>
+      </p:pic>
+    </p:spTree>
+    <p:extLst>
+      <p:ext uri="{BB962C8B-B14F-4D97-AF65-F5344CB8AC3E}">
+        <p14:creationId xmlns:p14="http://schemas.microsoft.com/office/powerpoint/2010/main" val="1391094117"/>
+      </p:ext>
+    </p:extLst>
+  </p:cSld>
+  <p:clrMapOvr>
+    <a:masterClrMapping/>
+  </p:clrMapOvr>
+</p:sld>
+</file>
+
+<file path=ppt/slides/slide5.xml><?xml version="1.0" encoding="utf-8"?>
+<p:sld xmlns:a="http://schemas.openxmlformats.org/drawingml/2006/main" xmlns:r="http://schemas.openxmlformats.org/officeDocument/2006/relationships" xmlns:p="http://schemas.openxmlformats.org/presentationml/2006/main">
+  <p:cSld>
+    <p:spTree>
+      <p:nvGrpSpPr>
+        <p:cNvPr id="1" name=""/>
+        <p:cNvGrpSpPr/>
+        <p:nvPr/>
+      </p:nvGrpSpPr>
+      <p:grpSpPr>
+        <a:xfrm>
+          <a:off x="0" y="0"/>
+          <a:ext cx="0" cy="0"/>
+          <a:chOff x="0" y="0"/>
+          <a:chExt cx="0" cy="0"/>
+        </a:xfrm>
+      </p:grpSpPr>
+      <p:pic>
+        <p:nvPicPr>
+          <p:cNvPr id="4" name="Picture 3">
+            <a:extLst>
+              <a:ext uri="{FF2B5EF4-FFF2-40B4-BE49-F238E27FC236}">
+                <a16:creationId xmlns:a16="http://schemas.microsoft.com/office/drawing/2014/main" id="{393EFD7B-7992-C744-A39F-B0A15B385A86}"/>
+              </a:ext>
+            </a:extLst>
+          </p:cNvPr>
+          <p:cNvPicPr>
+            <a:picLocks noChangeAspect="1"/>
+          </p:cNvPicPr>
+          <p:nvPr/>
+        </p:nvPicPr>
+        <p:blipFill>
+          <a:blip r:embed="rId2"/>
+          <a:stretch>
+            <a:fillRect/>
+          </a:stretch>
+        </p:blipFill>
+        <p:spPr>
+          <a:xfrm>
+            <a:off x="4050107" y="2316808"/>
+            <a:ext cx="3791136" cy="2503581"/>
+          </a:xfrm>
+          <a:prstGeom prst="rect">
+            <a:avLst/>
+          </a:prstGeom>
+        </p:spPr>
+      </p:pic>
+      <p:grpSp>
+        <p:nvGrpSpPr>
+          <p:cNvPr id="5" name="Group 4">
+            <a:extLst>
+              <a:ext uri="{FF2B5EF4-FFF2-40B4-BE49-F238E27FC236}">
+                <a16:creationId xmlns:a16="http://schemas.microsoft.com/office/drawing/2014/main" id="{FF2F33B3-8BAF-2A4C-9E70-31DA476A0C3D}"/>
+              </a:ext>
+            </a:extLst>
+          </p:cNvPr>
+          <p:cNvGrpSpPr/>
+          <p:nvPr/>
+        </p:nvGrpSpPr>
+        <p:grpSpPr>
+          <a:xfrm>
+            <a:off x="3213778" y="4541192"/>
+            <a:ext cx="5764444" cy="1050587"/>
+            <a:chOff x="3360126" y="3971848"/>
+            <a:chExt cx="5764444" cy="1050587"/>
+          </a:xfrm>
+        </p:grpSpPr>
+        <p:grpSp>
+          <p:nvGrpSpPr>
+            <p:cNvPr id="6" name="Group 5">
+              <a:extLst>
+                <a:ext uri="{FF2B5EF4-FFF2-40B4-BE49-F238E27FC236}">
+                  <a16:creationId xmlns:a16="http://schemas.microsoft.com/office/drawing/2014/main" id="{7B767E86-7AD3-6C41-9117-4BA58325E501}"/>
+                </a:ext>
+              </a:extLst>
+            </p:cNvPr>
+            <p:cNvGrpSpPr/>
+            <p:nvPr/>
+          </p:nvGrpSpPr>
+          <p:grpSpPr>
+            <a:xfrm>
+              <a:off x="3360126" y="4324980"/>
+              <a:ext cx="2735874" cy="328935"/>
+              <a:chOff x="7237110" y="4273903"/>
+              <a:chExt cx="2735874" cy="328935"/>
+            </a:xfrm>
+          </p:grpSpPr>
+          <p:sp>
+            <p:nvSpPr>
+              <p:cNvPr id="11" name="Intelligent Information Retrieval Laboratory">
+                <a:extLst>
+                  <a:ext uri="{FF2B5EF4-FFF2-40B4-BE49-F238E27FC236}">
+                    <a16:creationId xmlns:a16="http://schemas.microsoft.com/office/drawing/2014/main" id="{D1C48184-EE6E-E54F-AB70-22BB3894EC6D}"/>
+                  </a:ext>
+                </a:extLst>
+              </p:cNvPr>
+              <p:cNvSpPr txBox="1"/>
+              <p:nvPr/>
+            </p:nvSpPr>
+            <p:spPr>
+              <a:xfrm>
+                <a:off x="7237110" y="4273903"/>
+                <a:ext cx="2590800" cy="328935"/>
+              </a:xfrm>
+              <a:prstGeom prst="rect">
+                <a:avLst/>
+              </a:prstGeom>
+              <a:noFill/>
+              <a:ln w="12700" cap="flat">
+                <a:noFill/>
+                <a:miter lim="400000"/>
+              </a:ln>
+              <a:effectLst/>
+              <a:extLst>
+                <a:ext uri="{C572A759-6A51-4108-AA02-DFA0A04FC94B}">
+                  <ma14:wrappingTextBoxFlag xmlns="" xmlns:m="http://schemas.openxmlformats.org/officeDocument/2006/math" xmlns:a14="http://schemas.microsoft.com/office/drawing/2010/main" xmlns:ma14="http://schemas.microsoft.com/office/mac/drawingml/2011/main" val="1"/>
+                </a:ext>
+              </a:extLst>
+            </p:spPr>
+            <p:txBody>
+              <a:bodyPr wrap="square" lIns="71437" tIns="71437" rIns="71437" bIns="71437" numCol="1" anchor="ctr">
+                <a:spAutoFit/>
+              </a:bodyPr>
+              <a:lstStyle>
+                <a:lvl1pPr algn="l" defTabSz="821531">
+                  <a:defRPr sz="2400" b="0">
+                    <a:solidFill>
+                      <a:srgbClr val="FFFFFF"/>
+                    </a:solidFill>
+                    <a:latin typeface="Helvetica Neue Bold Condensed"/>
+                    <a:ea typeface="Helvetica Neue Bold Condensed"/>
+                    <a:cs typeface="Helvetica Neue Bold Condensed"/>
+                    <a:sym typeface="Helvetica Neue Bold Condensed"/>
+                  </a:defRPr>
+                </a:lvl1pPr>
+              </a:lstStyle>
+              <a:p>
+                <a:r>
+                  <a:rPr kumimoji="0" lang="zh-TW" altLang="en-US" sz="1050" b="0" i="0" u="none" strike="noStrike" cap="none" spc="0" normalizeH="0" baseline="0" dirty="0">
+                    <a:ln>
+                      <a:noFill/>
+                    </a:ln>
+                    <a:solidFill>
+                      <a:schemeClr val="tx1">
+                        <a:alpha val="15000"/>
+                      </a:schemeClr>
+                    </a:solidFill>
+                    <a:effectLst/>
+                    <a:uFillTx/>
+                    <a:latin typeface="Helvetica Neue Bold Condensed"/>
+                    <a:ea typeface="Helvetica Neue Bold Condensed"/>
+                    <a:cs typeface="Helvetica Neue Bold Condensed"/>
+                    <a:sym typeface="Helvetica Neue Bold Condensed"/>
+                  </a:rPr>
+                  <a:t>第</a:t>
+                </a:r>
+                <a:r>
+                  <a:rPr kumimoji="0" lang="en-US" altLang="zh-TW" sz="1050" b="0" i="0" u="none" strike="noStrike" cap="none" spc="0" normalizeH="0" baseline="0" dirty="0">
+                    <a:ln>
+                      <a:noFill/>
+                    </a:ln>
+                    <a:solidFill>
+                      <a:schemeClr val="tx1">
+                        <a:alpha val="15000"/>
+                      </a:schemeClr>
+                    </a:solidFill>
+                    <a:effectLst/>
+                    <a:uFillTx/>
+                    <a:latin typeface="Helvetica Neue Bold Condensed"/>
+                    <a:ea typeface="Helvetica Neue Bold Condensed"/>
+                    <a:cs typeface="Helvetica Neue Bold Condensed"/>
+                    <a:sym typeface="Helvetica Neue Bold Condensed"/>
+                  </a:rPr>
+                  <a:t>13</a:t>
+                </a:r>
+                <a:r>
+                  <a:rPr kumimoji="0" lang="zh-TW" altLang="en-US" sz="1050" b="0" i="0" u="none" strike="noStrike" cap="none" spc="0" normalizeH="0" baseline="0" dirty="0">
+                    <a:ln>
+                      <a:noFill/>
+                    </a:ln>
+                    <a:solidFill>
+                      <a:schemeClr val="tx1">
+                        <a:alpha val="15000"/>
+                      </a:schemeClr>
+                    </a:solidFill>
+                    <a:effectLst/>
+                    <a:uFillTx/>
+                    <a:latin typeface="Helvetica Neue Bold Condensed"/>
+                    <a:ea typeface="Helvetica Neue Bold Condensed"/>
+                    <a:cs typeface="Helvetica Neue Bold Condensed"/>
+                    <a:sym typeface="Helvetica Neue Bold Condensed"/>
+                  </a:rPr>
+                  <a:t>屆 </a:t>
+                </a:r>
+                <a:r>
+                  <a:rPr kumimoji="0" lang="en-US" sz="1200" b="0" i="0" u="none" strike="noStrike" cap="none" spc="0" normalizeH="0" baseline="0" dirty="0">
+                    <a:ln>
+                      <a:noFill/>
+                    </a:ln>
+                    <a:solidFill>
+                      <a:schemeClr val="tx1">
+                        <a:alpha val="15000"/>
+                      </a:schemeClr>
+                    </a:solidFill>
+                    <a:effectLst/>
+                    <a:uFillTx/>
+                    <a:latin typeface="Helvetica Neue Bold Condensed"/>
+                    <a:ea typeface="Helvetica Neue Bold Condensed"/>
+                    <a:cs typeface="Helvetica Neue Bold Condensed"/>
+                    <a:sym typeface="Helvetica Neue Bold Condensed"/>
+                  </a:rPr>
+                  <a:t>iT</a:t>
+                </a:r>
+                <a:r>
+                  <a:rPr kumimoji="0" lang="zh-TW" altLang="en-US" sz="1100" b="0" i="0" u="none" strike="noStrike" cap="none" spc="0" normalizeH="0" baseline="0" dirty="0">
+                    <a:ln>
+                      <a:noFill/>
+                    </a:ln>
+                    <a:solidFill>
+                      <a:schemeClr val="tx1">
+                        <a:alpha val="15000"/>
+                      </a:schemeClr>
+                    </a:solidFill>
+                    <a:effectLst/>
+                    <a:uFillTx/>
+                    <a:latin typeface="Helvetica Neue Bold Condensed"/>
+                    <a:ea typeface="Helvetica Neue Bold Condensed"/>
+                    <a:cs typeface="Helvetica Neue Bold Condensed"/>
+                    <a:sym typeface="Helvetica Neue Bold Condensed"/>
+                  </a:rPr>
+                  <a:t>邦</a:t>
+                </a:r>
+                <a:r>
+                  <a:rPr kumimoji="0" lang="zh-TW" altLang="en-US" sz="1000" b="0" i="0" u="none" strike="noStrike" cap="none" spc="0" normalizeH="0" baseline="0" dirty="0">
+                    <a:ln>
+                      <a:noFill/>
+                    </a:ln>
+                    <a:solidFill>
+                      <a:schemeClr val="tx1">
+                        <a:alpha val="15000"/>
+                      </a:schemeClr>
+                    </a:solidFill>
+                    <a:effectLst/>
+                    <a:uFillTx/>
+                    <a:latin typeface="Helvetica Neue Bold Condensed"/>
+                    <a:ea typeface="Helvetica Neue Bold Condensed"/>
+                    <a:cs typeface="Helvetica Neue Bold Condensed"/>
+                    <a:sym typeface="Helvetica Neue Bold Condensed"/>
+                  </a:rPr>
+                  <a:t>幫忙</a:t>
+                </a:r>
+                <a:r>
+                  <a:rPr kumimoji="0" lang="zh-TW" altLang="en-US" sz="1100" b="0" i="0" u="none" strike="noStrike" cap="none" spc="0" normalizeH="0" baseline="0" dirty="0">
+                    <a:ln>
+                      <a:noFill/>
+                    </a:ln>
+                    <a:solidFill>
+                      <a:schemeClr val="tx1">
+                        <a:alpha val="15000"/>
+                      </a:schemeClr>
+                    </a:solidFill>
+                    <a:effectLst/>
+                    <a:uFillTx/>
+                    <a:latin typeface="Helvetica Neue Bold Condensed"/>
+                    <a:ea typeface="Helvetica Neue Bold Condensed"/>
+                    <a:cs typeface="Helvetica Neue Bold Condensed"/>
+                    <a:sym typeface="Helvetica Neue Bold Condensed"/>
+                  </a:rPr>
+                  <a:t> 鐵人賽</a:t>
+                </a:r>
+                <a:endParaRPr sz="1100" dirty="0">
+                  <a:solidFill>
+                    <a:schemeClr val="tx1">
+                      <a:alpha val="15000"/>
+                    </a:schemeClr>
+                  </a:solidFill>
+                </a:endParaRPr>
+              </a:p>
+            </p:txBody>
+          </p:sp>
+          <p:sp>
+            <p:nvSpPr>
+              <p:cNvPr id="12" name="Intelligent Information Retrieval Laboratory">
+                <a:extLst>
+                  <a:ext uri="{FF2B5EF4-FFF2-40B4-BE49-F238E27FC236}">
+                    <a16:creationId xmlns:a16="http://schemas.microsoft.com/office/drawing/2014/main" id="{9212F7E7-5096-C449-AE6E-872C203E6813}"/>
+                  </a:ext>
+                </a:extLst>
+              </p:cNvPr>
+              <p:cNvSpPr txBox="1"/>
+              <p:nvPr/>
+            </p:nvSpPr>
+            <p:spPr>
+              <a:xfrm>
+                <a:off x="8753784" y="4289292"/>
+                <a:ext cx="1219200" cy="313546"/>
+              </a:xfrm>
+              <a:prstGeom prst="rect">
+                <a:avLst/>
+              </a:prstGeom>
+              <a:noFill/>
+              <a:ln w="12700" cap="flat">
+                <a:noFill/>
+                <a:miter lim="400000"/>
+              </a:ln>
+              <a:effectLst/>
+              <a:extLst>
+                <a:ext uri="{C572A759-6A51-4108-AA02-DFA0A04FC94B}">
+                  <ma14:wrappingTextBoxFlag xmlns="" xmlns:m="http://schemas.openxmlformats.org/officeDocument/2006/math" xmlns:a14="http://schemas.microsoft.com/office/drawing/2010/main" xmlns:ma14="http://schemas.microsoft.com/office/mac/drawingml/2011/main" val="1"/>
+                </a:ext>
+              </a:extLst>
+            </p:spPr>
+            <p:txBody>
+              <a:bodyPr wrap="square" lIns="71437" tIns="71437" rIns="71437" bIns="71437" numCol="1" anchor="ctr">
+                <a:spAutoFit/>
+              </a:bodyPr>
+              <a:lstStyle>
+                <a:lvl1pPr algn="l" defTabSz="821531">
+                  <a:defRPr sz="2400" b="0">
+                    <a:solidFill>
+                      <a:srgbClr val="FFFFFF"/>
+                    </a:solidFill>
+                    <a:latin typeface="Helvetica Neue Bold Condensed"/>
+                    <a:ea typeface="Helvetica Neue Bold Condensed"/>
+                    <a:cs typeface="Helvetica Neue Bold Condensed"/>
+                    <a:sym typeface="Helvetica Neue Bold Condensed"/>
+                  </a:defRPr>
+                </a:lvl1pPr>
+              </a:lstStyle>
+              <a:p>
+                <a:r>
+                  <a:rPr kumimoji="0" lang="en-US" altLang="zh-TW" sz="1050" b="0" i="0" u="none" strike="noStrike" cap="none" spc="0" normalizeH="0" baseline="0" dirty="0">
+                    <a:ln>
+                      <a:noFill/>
+                    </a:ln>
+                    <a:solidFill>
+                      <a:schemeClr val="tx1">
+                        <a:alpha val="15000"/>
+                      </a:schemeClr>
+                    </a:solidFill>
+                    <a:effectLst/>
+                    <a:uFillTx/>
+                    <a:latin typeface="Helvetica Neue Bold Condensed"/>
+                    <a:ea typeface="Helvetica Neue Bold Condensed"/>
+                    <a:cs typeface="Helvetica Neue Bold Condensed"/>
+                    <a:sym typeface="Helvetica Neue Bold Condensed"/>
+                  </a:rPr>
+                  <a:t>AI &amp; Data </a:t>
+                </a:r>
+                <a:r>
+                  <a:rPr kumimoji="0" lang="zh-TW" altLang="en-US" sz="1050" b="0" i="0" u="none" strike="noStrike" cap="none" spc="0" normalizeH="0" baseline="0" dirty="0">
+                    <a:ln>
+                      <a:noFill/>
+                    </a:ln>
+                    <a:solidFill>
+                      <a:schemeClr val="tx1">
+                        <a:alpha val="15000"/>
+                      </a:schemeClr>
+                    </a:solidFill>
+                    <a:effectLst/>
+                    <a:uFillTx/>
+                    <a:latin typeface="Helvetica Neue Bold Condensed"/>
+                    <a:ea typeface="Helvetica Neue Bold Condensed"/>
+                    <a:cs typeface="Helvetica Neue Bold Condensed"/>
+                    <a:sym typeface="Helvetica Neue Bold Condensed"/>
+                  </a:rPr>
+                  <a:t>組</a:t>
+                </a:r>
+                <a:endParaRPr sz="1100" dirty="0">
+                  <a:solidFill>
+                    <a:schemeClr val="tx1">
+                      <a:alpha val="15000"/>
+                    </a:schemeClr>
+                  </a:solidFill>
+                </a:endParaRPr>
+              </a:p>
+            </p:txBody>
+          </p:sp>
+        </p:grpSp>
+        <p:grpSp>
+          <p:nvGrpSpPr>
+            <p:cNvPr id="7" name="Group 6">
+              <a:extLst>
+                <a:ext uri="{FF2B5EF4-FFF2-40B4-BE49-F238E27FC236}">
+                  <a16:creationId xmlns:a16="http://schemas.microsoft.com/office/drawing/2014/main" id="{5E38AB88-3CD8-494B-83E6-3149B09AE591}"/>
+                </a:ext>
+              </a:extLst>
+            </p:cNvPr>
+            <p:cNvGrpSpPr/>
+            <p:nvPr/>
+          </p:nvGrpSpPr>
+          <p:grpSpPr>
+            <a:xfrm>
+              <a:off x="7247835" y="3971848"/>
+              <a:ext cx="1876735" cy="1050587"/>
+              <a:chOff x="3891792" y="3940042"/>
+              <a:chExt cx="1876735" cy="1050587"/>
+            </a:xfrm>
+          </p:grpSpPr>
+          <p:pic>
+            <p:nvPicPr>
+              <p:cNvPr id="8" name="Picture 7">
+                <a:extLst>
+                  <a:ext uri="{FF2B5EF4-FFF2-40B4-BE49-F238E27FC236}">
+                    <a16:creationId xmlns:a16="http://schemas.microsoft.com/office/drawing/2014/main" id="{9D5218EE-EEBC-5649-8EA4-30FAE9DAAEFB}"/>
+                  </a:ext>
+                </a:extLst>
+              </p:cNvPr>
+              <p:cNvPicPr>
+                <a:picLocks noChangeAspect="1" noChangeArrowheads="1"/>
+              </p:cNvPicPr>
+              <p:nvPr/>
+            </p:nvPicPr>
+            <p:blipFill>
               <a:blip r:embed="rId3">
                 <a:duotone>
                   <a:prstClr val="black"/>
@@ -4424,10 +6285,10 @@
           </p:pic>
           <p:pic>
             <p:nvPicPr>
-              <p:cNvPr id="7" name="Picture 4" descr="Youtube logo | Logok">
+              <p:cNvPr id="9" name="Picture 4" descr="Youtube logo | Logok">
                 <a:extLst>
                   <a:ext uri="{FF2B5EF4-FFF2-40B4-BE49-F238E27FC236}">
-                    <a16:creationId xmlns:a16="http://schemas.microsoft.com/office/drawing/2014/main" id="{8734546A-D5CD-4545-9DB0-834BEB6A4CB4}"/>
+                    <a16:creationId xmlns:a16="http://schemas.microsoft.com/office/drawing/2014/main" id="{6B508F06-67B6-224A-9A15-F1089E3DBF33}"/>
                   </a:ext>
                 </a:extLst>
               </p:cNvPr>
@@ -4472,10 +6333,10 @@
           </p:pic>
           <p:sp>
             <p:nvSpPr>
-              <p:cNvPr id="8" name="Intelligent Information Retrieval Laboratory">
+              <p:cNvPr id="10" name="Intelligent Information Retrieval Laboratory">
                 <a:extLst>
                   <a:ext uri="{FF2B5EF4-FFF2-40B4-BE49-F238E27FC236}">
-                    <a16:creationId xmlns:a16="http://schemas.microsoft.com/office/drawing/2014/main" id="{81CCE39A-C812-F84D-836B-7C1BAC116B77}"/>
+                    <a16:creationId xmlns:a16="http://schemas.microsoft.com/office/drawing/2014/main" id="{E20789E5-E139-C24D-A246-3655CD24271B}"/>
                   </a:ext>
                 </a:extLst>
               </p:cNvPr>
@@ -4498,7 +6359,7 @@
               <a:effectLst/>
               <a:extLst>
                 <a:ext uri="{C572A759-6A51-4108-AA02-DFA0A04FC94B}">
-                  <ma14:wrappingTextBoxFlag xmlns:ma14="http://schemas.microsoft.com/office/mac/drawingml/2011/main" xmlns:a14="http://schemas.microsoft.com/office/drawing/2010/main" xmlns:m="http://schemas.openxmlformats.org/officeDocument/2006/math" xmlns="" val="1"/>
+                  <ma14:wrappingTextBoxFlag xmlns="" xmlns:m="http://schemas.openxmlformats.org/officeDocument/2006/math" xmlns:a14="http://schemas.microsoft.com/office/drawing/2010/main" xmlns:ma14="http://schemas.microsoft.com/office/mac/drawingml/2011/main" val="1"/>
                 </a:ext>
               </a:extLst>
             </p:spPr>
@@ -4570,7 +6431,7 @@
     </p:spTree>
     <p:extLst>
       <p:ext uri="{BB962C8B-B14F-4D97-AF65-F5344CB8AC3E}">
-        <p14:creationId xmlns:p14="http://schemas.microsoft.com/office/powerpoint/2010/main" val="1391094117"/>
+        <p14:creationId xmlns:p14="http://schemas.microsoft.com/office/powerpoint/2010/main" val="3219528797"/>
       </p:ext>
     </p:extLst>
   </p:cSld>
@@ -4580,7 +6441,7 @@
 </p:sld>
 </file>
 
-<file path=ppt/slides/slide3.xml><?xml version="1.0" encoding="utf-8"?>
+<file path=ppt/slides/slide6.xml><?xml version="1.0" encoding="utf-8"?>
 <p:sld xmlns:a="http://schemas.openxmlformats.org/drawingml/2006/main" xmlns:r="http://schemas.openxmlformats.org/officeDocument/2006/relationships" xmlns:p="http://schemas.openxmlformats.org/presentationml/2006/main">
   <p:cSld>
     <p:spTree>
@@ -4969,7 +6830,7 @@
 </p:sld>
 </file>
 
-<file path=ppt/slides/slide4.xml><?xml version="1.0" encoding="utf-8"?>
+<file path=ppt/slides/slide7.xml><?xml version="1.0" encoding="utf-8"?>
 <p:sld xmlns:a="http://schemas.openxmlformats.org/drawingml/2006/main" xmlns:r="http://schemas.openxmlformats.org/officeDocument/2006/relationships" xmlns:p="http://schemas.openxmlformats.org/presentationml/2006/main">
   <p:cSld>
     <p:spTree>
@@ -5002,13 +6863,13 @@
         </p:nvPicPr>
         <p:blipFill rotWithShape="1">
           <a:blip r:embed="rId2"/>
-          <a:srcRect l="855"/>
+          <a:srcRect l="855" b="23983"/>
           <a:stretch/>
         </p:blipFill>
         <p:spPr>
           <a:xfrm>
-            <a:off x="0" y="2249913"/>
-            <a:ext cx="12087830" cy="2358173"/>
+            <a:off x="0" y="2249914"/>
+            <a:ext cx="12087830" cy="1792608"/>
           </a:xfrm>
           <a:prstGeom prst="rect">
             <a:avLst/>
@@ -6826,7 +8687,7 @@
               <a:effectLst/>
               <a:extLst>
                 <a:ext uri="{C572A759-6A51-4108-AA02-DFA0A04FC94B}">
-                  <ma14:wrappingTextBoxFlag xmlns:ma14="http://schemas.microsoft.com/office/mac/drawingml/2011/main" xmlns:a14="http://schemas.microsoft.com/office/drawing/2010/main" xmlns:m="http://schemas.openxmlformats.org/officeDocument/2006/math" xmlns="" val="1"/>
+                  <ma14:wrappingTextBoxFlag xmlns="" xmlns:m="http://schemas.openxmlformats.org/officeDocument/2006/math" xmlns:a14="http://schemas.microsoft.com/office/drawing/2010/main" xmlns:ma14="http://schemas.microsoft.com/office/mac/drawingml/2011/main" val="1"/>
                 </a:ext>
               </a:extLst>
             </p:spPr>
@@ -7019,7 +8880,7 @@
               <a:effectLst/>
               <a:extLst>
                 <a:ext uri="{C572A759-6A51-4108-AA02-DFA0A04FC94B}">
-                  <ma14:wrappingTextBoxFlag xmlns:ma14="http://schemas.microsoft.com/office/mac/drawingml/2011/main" xmlns:a14="http://schemas.microsoft.com/office/drawing/2010/main" xmlns:m="http://schemas.openxmlformats.org/officeDocument/2006/math" xmlns="" val="1"/>
+                  <ma14:wrappingTextBoxFlag xmlns="" xmlns:m="http://schemas.openxmlformats.org/officeDocument/2006/math" xmlns:a14="http://schemas.microsoft.com/office/drawing/2010/main" xmlns:ma14="http://schemas.microsoft.com/office/mac/drawingml/2011/main" val="1"/>
                 </a:ext>
               </a:extLst>
             </p:spPr>
@@ -7234,7 +9095,7 @@
               <a:effectLst/>
               <a:extLst>
                 <a:ext uri="{C572A759-6A51-4108-AA02-DFA0A04FC94B}">
-                  <ma14:wrappingTextBoxFlag xmlns:ma14="http://schemas.microsoft.com/office/mac/drawingml/2011/main" xmlns:a14="http://schemas.microsoft.com/office/drawing/2010/main" xmlns:m="http://schemas.openxmlformats.org/officeDocument/2006/math" xmlns="" val="1"/>
+                  <ma14:wrappingTextBoxFlag xmlns="" xmlns:m="http://schemas.openxmlformats.org/officeDocument/2006/math" xmlns:a14="http://schemas.microsoft.com/office/drawing/2010/main" xmlns:ma14="http://schemas.microsoft.com/office/mac/drawingml/2011/main" val="1"/>
                 </a:ext>
               </a:extLst>
             </p:spPr>
@@ -7303,6 +9164,108 @@
           </p:sp>
         </p:grpSp>
       </p:grpSp>
+      <p:sp>
+        <p:nvSpPr>
+          <p:cNvPr id="57" name="Rectangle 56">
+            <a:extLst>
+              <a:ext uri="{FF2B5EF4-FFF2-40B4-BE49-F238E27FC236}">
+                <a16:creationId xmlns:a16="http://schemas.microsoft.com/office/drawing/2014/main" id="{FB3F2ED7-443C-324A-B6D7-6352860709DC}"/>
+              </a:ext>
+            </a:extLst>
+          </p:cNvPr>
+          <p:cNvSpPr/>
+          <p:nvPr/>
+        </p:nvSpPr>
+        <p:spPr>
+          <a:xfrm>
+            <a:off x="1719669" y="4096294"/>
+            <a:ext cx="984565" cy="369332"/>
+          </a:xfrm>
+          <a:prstGeom prst="rect">
+            <a:avLst/>
+          </a:prstGeom>
+        </p:spPr>
+        <p:txBody>
+          <a:bodyPr wrap="none">
+            <a:spAutoFit/>
+          </a:bodyPr>
+          <a:lstStyle/>
+          <a:p>
+            <a:r>
+              <a:rPr lang="en-TW" dirty="0"/>
+              <a:t>偏度 = 0</a:t>
+            </a:r>
+          </a:p>
+        </p:txBody>
+      </p:sp>
+      <p:sp>
+        <p:nvSpPr>
+          <p:cNvPr id="58" name="Rectangle 57">
+            <a:extLst>
+              <a:ext uri="{FF2B5EF4-FFF2-40B4-BE49-F238E27FC236}">
+                <a16:creationId xmlns:a16="http://schemas.microsoft.com/office/drawing/2014/main" id="{A01DDFD6-34D1-4B45-B40F-0C35C2471AF6}"/>
+              </a:ext>
+            </a:extLst>
+          </p:cNvPr>
+          <p:cNvSpPr/>
+          <p:nvPr/>
+        </p:nvSpPr>
+        <p:spPr>
+          <a:xfrm>
+            <a:off x="5820531" y="4095193"/>
+            <a:ext cx="984565" cy="369332"/>
+          </a:xfrm>
+          <a:prstGeom prst="rect">
+            <a:avLst/>
+          </a:prstGeom>
+        </p:spPr>
+        <p:txBody>
+          <a:bodyPr wrap="none">
+            <a:spAutoFit/>
+          </a:bodyPr>
+          <a:lstStyle/>
+          <a:p>
+            <a:r>
+              <a:rPr lang="en-TW" dirty="0"/>
+              <a:t>偏度 &gt; 0</a:t>
+            </a:r>
+          </a:p>
+        </p:txBody>
+      </p:sp>
+      <p:sp>
+        <p:nvSpPr>
+          <p:cNvPr id="59" name="Rectangle 58">
+            <a:extLst>
+              <a:ext uri="{FF2B5EF4-FFF2-40B4-BE49-F238E27FC236}">
+                <a16:creationId xmlns:a16="http://schemas.microsoft.com/office/drawing/2014/main" id="{0E50BADF-626C-F04D-8F6E-95485AF19D2C}"/>
+              </a:ext>
+            </a:extLst>
+          </p:cNvPr>
+          <p:cNvSpPr/>
+          <p:nvPr/>
+        </p:nvSpPr>
+        <p:spPr>
+          <a:xfrm>
+            <a:off x="9970345" y="4095193"/>
+            <a:ext cx="984565" cy="369332"/>
+          </a:xfrm>
+          <a:prstGeom prst="rect">
+            <a:avLst/>
+          </a:prstGeom>
+        </p:spPr>
+        <p:txBody>
+          <a:bodyPr wrap="none">
+            <a:spAutoFit/>
+          </a:bodyPr>
+          <a:lstStyle/>
+          <a:p>
+            <a:r>
+              <a:rPr lang="en-TW" dirty="0"/>
+              <a:t>偏度 &lt; 0</a:t>
+            </a:r>
+          </a:p>
+        </p:txBody>
+      </p:sp>
     </p:spTree>
     <p:extLst>
       <p:ext uri="{BB962C8B-B14F-4D97-AF65-F5344CB8AC3E}">
@@ -7316,7 +9279,7 @@
 </p:sld>
 </file>
 
-<file path=ppt/slides/slide5.xml><?xml version="1.0" encoding="utf-8"?>
+<file path=ppt/slides/slide8.xml><?xml version="1.0" encoding="utf-8"?>
 <p:sld xmlns:a="http://schemas.openxmlformats.org/drawingml/2006/main" xmlns:r="http://schemas.openxmlformats.org/officeDocument/2006/relationships" xmlns:p="http://schemas.openxmlformats.org/presentationml/2006/main">
   <p:cSld>
     <p:spTree>
@@ -8429,7 +10392,7 @@
               <a:effectLst/>
               <a:extLst>
                 <a:ext uri="{C572A759-6A51-4108-AA02-DFA0A04FC94B}">
-                  <ma14:wrappingTextBoxFlag xmlns:ma14="http://schemas.microsoft.com/office/mac/drawingml/2011/main" xmlns:a14="http://schemas.microsoft.com/office/drawing/2010/main" xmlns:m="http://schemas.openxmlformats.org/officeDocument/2006/math" xmlns="" val="1"/>
+                  <ma14:wrappingTextBoxFlag xmlns="" xmlns:m="http://schemas.openxmlformats.org/officeDocument/2006/math" xmlns:a14="http://schemas.microsoft.com/office/drawing/2010/main" xmlns:ma14="http://schemas.microsoft.com/office/mac/drawingml/2011/main" val="1"/>
                 </a:ext>
               </a:extLst>
             </p:spPr>
@@ -8622,7 +10585,7 @@
               <a:effectLst/>
               <a:extLst>
                 <a:ext uri="{C572A759-6A51-4108-AA02-DFA0A04FC94B}">
-                  <ma14:wrappingTextBoxFlag xmlns:ma14="http://schemas.microsoft.com/office/mac/drawingml/2011/main" xmlns:a14="http://schemas.microsoft.com/office/drawing/2010/main" xmlns:m="http://schemas.openxmlformats.org/officeDocument/2006/math" xmlns="" val="1"/>
+                  <ma14:wrappingTextBoxFlag xmlns="" xmlns:m="http://schemas.openxmlformats.org/officeDocument/2006/math" xmlns:a14="http://schemas.microsoft.com/office/drawing/2010/main" xmlns:ma14="http://schemas.microsoft.com/office/mac/drawingml/2011/main" val="1"/>
                 </a:ext>
               </a:extLst>
             </p:spPr>
@@ -8837,7 +10800,7 @@
               <a:effectLst/>
               <a:extLst>
                 <a:ext uri="{C572A759-6A51-4108-AA02-DFA0A04FC94B}">
-                  <ma14:wrappingTextBoxFlag xmlns:ma14="http://schemas.microsoft.com/office/mac/drawingml/2011/main" xmlns:a14="http://schemas.microsoft.com/office/drawing/2010/main" xmlns:m="http://schemas.openxmlformats.org/officeDocument/2006/math" xmlns="" val="1"/>
+                  <ma14:wrappingTextBoxFlag xmlns="" xmlns:m="http://schemas.openxmlformats.org/officeDocument/2006/math" xmlns:a14="http://schemas.microsoft.com/office/drawing/2010/main" xmlns:ma14="http://schemas.microsoft.com/office/mac/drawingml/2011/main" val="1"/>
                 </a:ext>
               </a:extLst>
             </p:spPr>
@@ -8919,7 +10882,7 @@
 </p:sld>
 </file>
 
-<file path=ppt/slides/slide6.xml><?xml version="1.0" encoding="utf-8"?>
+<file path=ppt/slides/slide9.xml><?xml version="1.0" encoding="utf-8"?>
 <p:sld xmlns:a="http://schemas.openxmlformats.org/drawingml/2006/main" xmlns:r="http://schemas.openxmlformats.org/officeDocument/2006/relationships" xmlns:p="http://schemas.openxmlformats.org/presentationml/2006/main">
   <p:cSld>
     <p:spTree>
@@ -8987,83 +10950,6 @@
     <p:extLst>
       <p:ext uri="{BB962C8B-B14F-4D97-AF65-F5344CB8AC3E}">
         <p14:creationId xmlns:p14="http://schemas.microsoft.com/office/powerpoint/2010/main" val="1232066395"/>
-      </p:ext>
-    </p:extLst>
-  </p:cSld>
-  <p:clrMapOvr>
-    <a:masterClrMapping/>
-  </p:clrMapOvr>
-</p:sld>
-</file>
-
-<file path=ppt/slides/slide7.xml><?xml version="1.0" encoding="utf-8"?>
-<p:sld xmlns:a="http://schemas.openxmlformats.org/drawingml/2006/main" xmlns:r="http://schemas.openxmlformats.org/officeDocument/2006/relationships" xmlns:p="http://schemas.openxmlformats.org/presentationml/2006/main">
-  <p:cSld>
-    <p:spTree>
-      <p:nvGrpSpPr>
-        <p:cNvPr id="1" name=""/>
-        <p:cNvGrpSpPr/>
-        <p:nvPr/>
-      </p:nvGrpSpPr>
-      <p:grpSpPr>
-        <a:xfrm>
-          <a:off x="0" y="0"/>
-          <a:ext cx="0" cy="0"/>
-          <a:chOff x="0" y="0"/>
-          <a:chExt cx="0" cy="0"/>
-        </a:xfrm>
-      </p:grpSpPr>
-      <p:pic>
-        <p:nvPicPr>
-          <p:cNvPr id="2" name="Picture 2">
-            <a:extLst>
-              <a:ext uri="{FF2B5EF4-FFF2-40B4-BE49-F238E27FC236}">
-                <a16:creationId xmlns:a16="http://schemas.microsoft.com/office/drawing/2014/main" id="{DCD0CD87-6B06-214E-AD2F-A64AD055247C}"/>
-              </a:ext>
-            </a:extLst>
-          </p:cNvPr>
-          <p:cNvPicPr>
-            <a:picLocks noChangeAspect="1" noChangeArrowheads="1"/>
-          </p:cNvPicPr>
-          <p:nvPr/>
-        </p:nvPicPr>
-        <p:blipFill>
-          <a:blip r:embed="rId2">
-            <a:extLst>
-              <a:ext uri="{28A0092B-C50C-407E-A947-70E740481C1C}">
-                <a14:useLocalDpi xmlns:a14="http://schemas.microsoft.com/office/drawing/2010/main" val="0"/>
-              </a:ext>
-            </a:extLst>
-          </a:blip>
-          <a:srcRect/>
-          <a:stretch>
-            <a:fillRect/>
-          </a:stretch>
-        </p:blipFill>
-        <p:spPr bwMode="auto">
-          <a:xfrm>
-            <a:off x="3371850" y="1746250"/>
-            <a:ext cx="5448300" cy="3365500"/>
-          </a:xfrm>
-          <a:prstGeom prst="rect">
-            <a:avLst/>
-          </a:prstGeom>
-          <a:noFill/>
-          <a:extLst>
-            <a:ext uri="{909E8E84-426E-40DD-AFC4-6F175D3DCCD1}">
-              <a14:hiddenFill xmlns:a14="http://schemas.microsoft.com/office/drawing/2010/main">
-                <a:solidFill>
-                  <a:srgbClr val="FFFFFF"/>
-                </a:solidFill>
-              </a14:hiddenFill>
-            </a:ext>
-          </a:extLst>
-        </p:spPr>
-      </p:pic>
-    </p:spTree>
-    <p:extLst>
-      <p:ext uri="{BB962C8B-B14F-4D97-AF65-F5344CB8AC3E}">
-        <p14:creationId xmlns:p14="http://schemas.microsoft.com/office/powerpoint/2010/main" val="1359243984"/>
       </p:ext>
     </p:extLst>
   </p:cSld>
